--- a/lab2/Slides.pptx
+++ b/lab2/Slides.pptx
@@ -5,29 +5,22 @@
     <p:sldMasterId id="2147483659" r:id="rId1"/>
   </p:sldMasterIdLst>
   <p:notesMasterIdLst>
-    <p:notesMasterId r:id="rId22"/>
+    <p:notesMasterId r:id="rId15"/>
   </p:notesMasterIdLst>
   <p:sldIdLst>
     <p:sldId id="256" r:id="rId2"/>
     <p:sldId id="257" r:id="rId3"/>
     <p:sldId id="258" r:id="rId4"/>
-    <p:sldId id="272" r:id="rId5"/>
-    <p:sldId id="259" r:id="rId6"/>
-    <p:sldId id="273" r:id="rId7"/>
-    <p:sldId id="260" r:id="rId8"/>
-    <p:sldId id="261" r:id="rId9"/>
-    <p:sldId id="262" r:id="rId10"/>
-    <p:sldId id="263" r:id="rId11"/>
-    <p:sldId id="264" r:id="rId12"/>
-    <p:sldId id="265" r:id="rId13"/>
-    <p:sldId id="266" r:id="rId14"/>
-    <p:sldId id="267" r:id="rId15"/>
-    <p:sldId id="268" r:id="rId16"/>
-    <p:sldId id="269" r:id="rId17"/>
-    <p:sldId id="275" r:id="rId18"/>
-    <p:sldId id="270" r:id="rId19"/>
-    <p:sldId id="271" r:id="rId20"/>
-    <p:sldId id="274" r:id="rId21"/>
+    <p:sldId id="275" r:id="rId5"/>
+    <p:sldId id="276" r:id="rId6"/>
+    <p:sldId id="277" r:id="rId7"/>
+    <p:sldId id="278" r:id="rId8"/>
+    <p:sldId id="279" r:id="rId9"/>
+    <p:sldId id="280" r:id="rId10"/>
+    <p:sldId id="281" r:id="rId11"/>
+    <p:sldId id="282" r:id="rId12"/>
+    <p:sldId id="271" r:id="rId13"/>
+    <p:sldId id="274" r:id="rId14"/>
   </p:sldIdLst>
   <p:sldSz cx="9144000" cy="5143500" type="screen16x9"/>
   <p:notesSz cx="6858000" cy="9144000"/>
@@ -813,1004 +806,6 @@
 </p:notes>
 </file>
 
-<file path=ppt/notesSlides/notesSlide10.xml><?xml version="1.0" encoding="utf-8"?>
-<p:notes xmlns:a="http://schemas.openxmlformats.org/drawingml/2006/main" xmlns:r="http://schemas.openxmlformats.org/officeDocument/2006/relationships" xmlns:p="http://schemas.openxmlformats.org/presentationml/2006/main" showMasterSp="0" showMasterPhAnim="0">
-  <p:cSld>
-    <p:spTree>
-      <p:nvGrpSpPr>
-        <p:cNvPr id="1" name="Shape 107"/>
-        <p:cNvGrpSpPr/>
-        <p:nvPr/>
-      </p:nvGrpSpPr>
-      <p:grpSpPr>
-        <a:xfrm>
-          <a:off x="0" y="0"/>
-          <a:ext cx="0" cy="0"/>
-          <a:chOff x="0" y="0"/>
-          <a:chExt cx="0" cy="0"/>
-        </a:xfrm>
-      </p:grpSpPr>
-      <p:sp>
-        <p:nvSpPr>
-          <p:cNvPr id="108" name="Google Shape;108;g3459acaf3e_0_64:notes"/>
-          <p:cNvSpPr>
-            <a:spLocks noGrp="1" noRot="1" noChangeAspect="1"/>
-          </p:cNvSpPr>
-          <p:nvPr>
-            <p:ph type="sldImg" idx="2"/>
-          </p:nvPr>
-        </p:nvSpPr>
-        <p:spPr>
-          <a:xfrm>
-            <a:off x="381300" y="685800"/>
-            <a:ext cx="6096000" cy="3429000"/>
-          </a:xfrm>
-          <a:custGeom>
-            <a:avLst/>
-            <a:gdLst/>
-            <a:ahLst/>
-            <a:cxnLst/>
-            <a:rect l="l" t="t" r="r" b="b"/>
-            <a:pathLst>
-              <a:path w="120000" h="120000" extrusionOk="0">
-                <a:moveTo>
-                  <a:pt x="0" y="0"/>
-                </a:moveTo>
-                <a:lnTo>
-                  <a:pt x="120000" y="0"/>
-                </a:lnTo>
-                <a:lnTo>
-                  <a:pt x="120000" y="120000"/>
-                </a:lnTo>
-                <a:lnTo>
-                  <a:pt x="0" y="120000"/>
-                </a:lnTo>
-                <a:close/>
-              </a:path>
-            </a:pathLst>
-          </a:custGeom>
-        </p:spPr>
-      </p:sp>
-      <p:sp>
-        <p:nvSpPr>
-          <p:cNvPr id="109" name="Google Shape;109;g3459acaf3e_0_64:notes"/>
-          <p:cNvSpPr txBox="1">
-            <a:spLocks noGrp="1"/>
-          </p:cNvSpPr>
-          <p:nvPr>
-            <p:ph type="body" idx="1"/>
-          </p:nvPr>
-        </p:nvSpPr>
-        <p:spPr>
-          <a:xfrm>
-            <a:off x="685800" y="4343400"/>
-            <a:ext cx="5486400" cy="4114800"/>
-          </a:xfrm>
-          <a:prstGeom prst="rect">
-            <a:avLst/>
-          </a:prstGeom>
-        </p:spPr>
-        <p:txBody>
-          <a:bodyPr spcFirstLastPara="1" wrap="square" lIns="91425" tIns="91425" rIns="91425" bIns="91425" anchor="t" anchorCtr="0">
-            <a:noAutofit/>
-          </a:bodyPr>
-          <a:lstStyle/>
-          <a:p>
-            <a:pPr marL="0" lvl="0" indent="0" algn="l" rtl="0">
-              <a:spcBef>
-                <a:spcPts val="0"/>
-              </a:spcBef>
-              <a:spcAft>
-                <a:spcPts val="0"/>
-              </a:spcAft>
-              <a:buNone/>
-            </a:pPr>
-            <a:endParaRPr/>
-          </a:p>
-        </p:txBody>
-      </p:sp>
-    </p:spTree>
-  </p:cSld>
-  <p:clrMapOvr>
-    <a:masterClrMapping/>
-  </p:clrMapOvr>
-</p:notes>
-</file>
-
-<file path=ppt/notesSlides/notesSlide11.xml><?xml version="1.0" encoding="utf-8"?>
-<p:notes xmlns:a="http://schemas.openxmlformats.org/drawingml/2006/main" xmlns:r="http://schemas.openxmlformats.org/officeDocument/2006/relationships" xmlns:p="http://schemas.openxmlformats.org/presentationml/2006/main" showMasterSp="0" showMasterPhAnim="0">
-  <p:cSld>
-    <p:spTree>
-      <p:nvGrpSpPr>
-        <p:cNvPr id="1" name="Shape 113"/>
-        <p:cNvGrpSpPr/>
-        <p:nvPr/>
-      </p:nvGrpSpPr>
-      <p:grpSpPr>
-        <a:xfrm>
-          <a:off x="0" y="0"/>
-          <a:ext cx="0" cy="0"/>
-          <a:chOff x="0" y="0"/>
-          <a:chExt cx="0" cy="0"/>
-        </a:xfrm>
-      </p:grpSpPr>
-      <p:sp>
-        <p:nvSpPr>
-          <p:cNvPr id="114" name="Google Shape;114;g3459acaf3e_0_85:notes"/>
-          <p:cNvSpPr>
-            <a:spLocks noGrp="1" noRot="1" noChangeAspect="1"/>
-          </p:cNvSpPr>
-          <p:nvPr>
-            <p:ph type="sldImg" idx="2"/>
-          </p:nvPr>
-        </p:nvSpPr>
-        <p:spPr>
-          <a:xfrm>
-            <a:off x="381000" y="685800"/>
-            <a:ext cx="6096000" cy="3429000"/>
-          </a:xfrm>
-          <a:custGeom>
-            <a:avLst/>
-            <a:gdLst/>
-            <a:ahLst/>
-            <a:cxnLst/>
-            <a:rect l="l" t="t" r="r" b="b"/>
-            <a:pathLst>
-              <a:path w="120000" h="120000" extrusionOk="0">
-                <a:moveTo>
-                  <a:pt x="0" y="0"/>
-                </a:moveTo>
-                <a:lnTo>
-                  <a:pt x="120000" y="0"/>
-                </a:lnTo>
-                <a:lnTo>
-                  <a:pt x="120000" y="120000"/>
-                </a:lnTo>
-                <a:lnTo>
-                  <a:pt x="0" y="120000"/>
-                </a:lnTo>
-                <a:close/>
-              </a:path>
-            </a:pathLst>
-          </a:custGeom>
-        </p:spPr>
-      </p:sp>
-      <p:sp>
-        <p:nvSpPr>
-          <p:cNvPr id="115" name="Google Shape;115;g3459acaf3e_0_85:notes"/>
-          <p:cNvSpPr txBox="1">
-            <a:spLocks noGrp="1"/>
-          </p:cNvSpPr>
-          <p:nvPr>
-            <p:ph type="body" idx="1"/>
-          </p:nvPr>
-        </p:nvSpPr>
-        <p:spPr>
-          <a:xfrm>
-            <a:off x="685800" y="4343400"/>
-            <a:ext cx="5486400" cy="4114800"/>
-          </a:xfrm>
-          <a:prstGeom prst="rect">
-            <a:avLst/>
-          </a:prstGeom>
-        </p:spPr>
-        <p:txBody>
-          <a:bodyPr spcFirstLastPara="1" wrap="square" lIns="91425" tIns="91425" rIns="91425" bIns="91425" anchor="t" anchorCtr="0">
-            <a:noAutofit/>
-          </a:bodyPr>
-          <a:lstStyle/>
-          <a:p>
-            <a:pPr marL="0" lvl="0" indent="0" algn="l" rtl="0">
-              <a:spcBef>
-                <a:spcPts val="0"/>
-              </a:spcBef>
-              <a:spcAft>
-                <a:spcPts val="0"/>
-              </a:spcAft>
-              <a:buNone/>
-            </a:pPr>
-            <a:endParaRPr/>
-          </a:p>
-        </p:txBody>
-      </p:sp>
-    </p:spTree>
-  </p:cSld>
-  <p:clrMapOvr>
-    <a:masterClrMapping/>
-  </p:clrMapOvr>
-</p:notes>
-</file>
-
-<file path=ppt/notesSlides/notesSlide12.xml><?xml version="1.0" encoding="utf-8"?>
-<p:notes xmlns:a="http://schemas.openxmlformats.org/drawingml/2006/main" xmlns:r="http://schemas.openxmlformats.org/officeDocument/2006/relationships" xmlns:p="http://schemas.openxmlformats.org/presentationml/2006/main" showMasterSp="0" showMasterPhAnim="0">
-  <p:cSld>
-    <p:spTree>
-      <p:nvGrpSpPr>
-        <p:cNvPr id="1" name="Shape 119"/>
-        <p:cNvGrpSpPr/>
-        <p:nvPr/>
-      </p:nvGrpSpPr>
-      <p:grpSpPr>
-        <a:xfrm>
-          <a:off x="0" y="0"/>
-          <a:ext cx="0" cy="0"/>
-          <a:chOff x="0" y="0"/>
-          <a:chExt cx="0" cy="0"/>
-        </a:xfrm>
-      </p:grpSpPr>
-      <p:sp>
-        <p:nvSpPr>
-          <p:cNvPr id="120" name="Google Shape;120;g3459acaf3e_0_90:notes"/>
-          <p:cNvSpPr>
-            <a:spLocks noGrp="1" noRot="1" noChangeAspect="1"/>
-          </p:cNvSpPr>
-          <p:nvPr>
-            <p:ph type="sldImg" idx="2"/>
-          </p:nvPr>
-        </p:nvSpPr>
-        <p:spPr>
-          <a:xfrm>
-            <a:off x="381000" y="685800"/>
-            <a:ext cx="6096000" cy="3429000"/>
-          </a:xfrm>
-          <a:custGeom>
-            <a:avLst/>
-            <a:gdLst/>
-            <a:ahLst/>
-            <a:cxnLst/>
-            <a:rect l="l" t="t" r="r" b="b"/>
-            <a:pathLst>
-              <a:path w="120000" h="120000" extrusionOk="0">
-                <a:moveTo>
-                  <a:pt x="0" y="0"/>
-                </a:moveTo>
-                <a:lnTo>
-                  <a:pt x="120000" y="0"/>
-                </a:lnTo>
-                <a:lnTo>
-                  <a:pt x="120000" y="120000"/>
-                </a:lnTo>
-                <a:lnTo>
-                  <a:pt x="0" y="120000"/>
-                </a:lnTo>
-                <a:close/>
-              </a:path>
-            </a:pathLst>
-          </a:custGeom>
-        </p:spPr>
-      </p:sp>
-      <p:sp>
-        <p:nvSpPr>
-          <p:cNvPr id="121" name="Google Shape;121;g3459acaf3e_0_90:notes"/>
-          <p:cNvSpPr txBox="1">
-            <a:spLocks noGrp="1"/>
-          </p:cNvSpPr>
-          <p:nvPr>
-            <p:ph type="body" idx="1"/>
-          </p:nvPr>
-        </p:nvSpPr>
-        <p:spPr>
-          <a:xfrm>
-            <a:off x="685800" y="4343400"/>
-            <a:ext cx="5486400" cy="4114800"/>
-          </a:xfrm>
-          <a:prstGeom prst="rect">
-            <a:avLst/>
-          </a:prstGeom>
-        </p:spPr>
-        <p:txBody>
-          <a:bodyPr spcFirstLastPara="1" wrap="square" lIns="91425" tIns="91425" rIns="91425" bIns="91425" anchor="t" anchorCtr="0">
-            <a:noAutofit/>
-          </a:bodyPr>
-          <a:lstStyle/>
-          <a:p>
-            <a:pPr marL="0" lvl="0" indent="0" algn="l" rtl="0">
-              <a:spcBef>
-                <a:spcPts val="0"/>
-              </a:spcBef>
-              <a:spcAft>
-                <a:spcPts val="0"/>
-              </a:spcAft>
-              <a:buClr>
-                <a:schemeClr val="dk1"/>
-              </a:buClr>
-              <a:buSzPts val="1100"/>
-              <a:buFont typeface="Arial"/>
-              <a:buNone/>
-            </a:pPr>
-            <a:r>
-              <a:rPr lang="en-GB"/>
-              <a:t>[IRectangle|calculateArea();draw()]</a:t>
-            </a:r>
-            <a:endParaRPr/>
-          </a:p>
-          <a:p>
-            <a:pPr marL="0" lvl="0" indent="0" algn="l" rtl="0">
-              <a:spcBef>
-                <a:spcPts val="0"/>
-              </a:spcBef>
-              <a:spcAft>
-                <a:spcPts val="0"/>
-              </a:spcAft>
-              <a:buClr>
-                <a:schemeClr val="dk1"/>
-              </a:buClr>
-              <a:buSzPts val="1100"/>
-              <a:buFont typeface="Arial"/>
-              <a:buNone/>
-            </a:pPr>
-            <a:r>
-              <a:rPr lang="en-GB"/>
-              <a:t>[Rectangle|width:int;height:int|calculateArea();draw()]-.-^[IRectangle]</a:t>
-            </a:r>
-            <a:endParaRPr/>
-          </a:p>
-          <a:p>
-            <a:pPr marL="0" lvl="0" indent="0" algn="l" rtl="0">
-              <a:spcBef>
-                <a:spcPts val="0"/>
-              </a:spcBef>
-              <a:spcAft>
-                <a:spcPts val="0"/>
-              </a:spcAft>
-              <a:buClr>
-                <a:schemeClr val="dk1"/>
-              </a:buClr>
-              <a:buSzPts val="1100"/>
-              <a:buFont typeface="Arial"/>
-              <a:buNone/>
-            </a:pPr>
-            <a:r>
-              <a:rPr lang="en-GB"/>
-              <a:t>[IRectangle]&lt;-[GUI]</a:t>
-            </a:r>
-            <a:endParaRPr/>
-          </a:p>
-          <a:p>
-            <a:pPr marL="0" lvl="0" indent="0" algn="l" rtl="0">
-              <a:spcBef>
-                <a:spcPts val="0"/>
-              </a:spcBef>
-              <a:spcAft>
-                <a:spcPts val="0"/>
-              </a:spcAft>
-              <a:buNone/>
-            </a:pPr>
-            <a:r>
-              <a:rPr lang="en-GB"/>
-              <a:t>[IRectangle]&lt;-[GeometryComputeApp] </a:t>
-            </a:r>
-            <a:endParaRPr/>
-          </a:p>
-        </p:txBody>
-      </p:sp>
-    </p:spTree>
-  </p:cSld>
-  <p:clrMapOvr>
-    <a:masterClrMapping/>
-  </p:clrMapOvr>
-</p:notes>
-</file>
-
-<file path=ppt/notesSlides/notesSlide13.xml><?xml version="1.0" encoding="utf-8"?>
-<p:notes xmlns:a="http://schemas.openxmlformats.org/drawingml/2006/main" xmlns:r="http://schemas.openxmlformats.org/officeDocument/2006/relationships" xmlns:p="http://schemas.openxmlformats.org/presentationml/2006/main" showMasterSp="0" showMasterPhAnim="0">
-  <p:cSld>
-    <p:spTree>
-      <p:nvGrpSpPr>
-        <p:cNvPr id="1" name="Shape 126"/>
-        <p:cNvGrpSpPr/>
-        <p:nvPr/>
-      </p:nvGrpSpPr>
-      <p:grpSpPr>
-        <a:xfrm>
-          <a:off x="0" y="0"/>
-          <a:ext cx="0" cy="0"/>
-          <a:chOff x="0" y="0"/>
-          <a:chExt cx="0" cy="0"/>
-        </a:xfrm>
-      </p:grpSpPr>
-      <p:sp>
-        <p:nvSpPr>
-          <p:cNvPr id="127" name="Google Shape;127;g3459acaf3e_0_103:notes"/>
-          <p:cNvSpPr>
-            <a:spLocks noGrp="1" noRot="1" noChangeAspect="1"/>
-          </p:cNvSpPr>
-          <p:nvPr>
-            <p:ph type="sldImg" idx="2"/>
-          </p:nvPr>
-        </p:nvSpPr>
-        <p:spPr>
-          <a:xfrm>
-            <a:off x="381000" y="685800"/>
-            <a:ext cx="6096000" cy="3429000"/>
-          </a:xfrm>
-          <a:custGeom>
-            <a:avLst/>
-            <a:gdLst/>
-            <a:ahLst/>
-            <a:cxnLst/>
-            <a:rect l="l" t="t" r="r" b="b"/>
-            <a:pathLst>
-              <a:path w="120000" h="120000" extrusionOk="0">
-                <a:moveTo>
-                  <a:pt x="0" y="0"/>
-                </a:moveTo>
-                <a:lnTo>
-                  <a:pt x="120000" y="0"/>
-                </a:lnTo>
-                <a:lnTo>
-                  <a:pt x="120000" y="120000"/>
-                </a:lnTo>
-                <a:lnTo>
-                  <a:pt x="0" y="120000"/>
-                </a:lnTo>
-                <a:close/>
-              </a:path>
-            </a:pathLst>
-          </a:custGeom>
-        </p:spPr>
-      </p:sp>
-      <p:sp>
-        <p:nvSpPr>
-          <p:cNvPr id="128" name="Google Shape;128;g3459acaf3e_0_103:notes"/>
-          <p:cNvSpPr txBox="1">
-            <a:spLocks noGrp="1"/>
-          </p:cNvSpPr>
-          <p:nvPr>
-            <p:ph type="body" idx="1"/>
-          </p:nvPr>
-        </p:nvSpPr>
-        <p:spPr>
-          <a:xfrm>
-            <a:off x="685800" y="4343400"/>
-            <a:ext cx="5486400" cy="4114800"/>
-          </a:xfrm>
-          <a:prstGeom prst="rect">
-            <a:avLst/>
-          </a:prstGeom>
-        </p:spPr>
-        <p:txBody>
-          <a:bodyPr spcFirstLastPara="1" wrap="square" lIns="91425" tIns="91425" rIns="91425" bIns="91425" anchor="t" anchorCtr="0">
-            <a:noAutofit/>
-          </a:bodyPr>
-          <a:lstStyle/>
-          <a:p>
-            <a:pPr marL="0" lvl="0" indent="0" algn="l" rtl="0">
-              <a:spcBef>
-                <a:spcPts val="0"/>
-              </a:spcBef>
-              <a:spcAft>
-                <a:spcPts val="0"/>
-              </a:spcAft>
-              <a:buNone/>
-            </a:pPr>
-            <a:r>
-              <a:rPr lang="en-GB"/>
-              <a:t>[IGeometricRectangle|calculateArea()]</a:t>
-            </a:r>
-            <a:endParaRPr/>
-          </a:p>
-          <a:p>
-            <a:pPr marL="0" lvl="0" indent="0" algn="l" rtl="0">
-              <a:spcBef>
-                <a:spcPts val="0"/>
-              </a:spcBef>
-              <a:spcAft>
-                <a:spcPts val="0"/>
-              </a:spcAft>
-              <a:buNone/>
-            </a:pPr>
-            <a:r>
-              <a:rPr lang="en-GB"/>
-              <a:t>[IVisualRectangle|draw()]</a:t>
-            </a:r>
-            <a:endParaRPr/>
-          </a:p>
-          <a:p>
-            <a:pPr marL="0" lvl="0" indent="0" algn="l" rtl="0">
-              <a:spcBef>
-                <a:spcPts val="0"/>
-              </a:spcBef>
-              <a:spcAft>
-                <a:spcPts val="0"/>
-              </a:spcAft>
-              <a:buNone/>
-            </a:pPr>
-            <a:r>
-              <a:rPr lang="en-GB"/>
-              <a:t>[Rectangle|width:int;height:int|calculateArea();draw()]-.-^[IVisualRectangle]</a:t>
-            </a:r>
-            <a:endParaRPr/>
-          </a:p>
-          <a:p>
-            <a:pPr marL="0" lvl="0" indent="0" algn="l" rtl="0">
-              <a:spcBef>
-                <a:spcPts val="0"/>
-              </a:spcBef>
-              <a:spcAft>
-                <a:spcPts val="0"/>
-              </a:spcAft>
-              <a:buNone/>
-            </a:pPr>
-            <a:r>
-              <a:rPr lang="en-GB"/>
-              <a:t>[Rectangle]-.-^[IGeometricRectangle]</a:t>
-            </a:r>
-            <a:endParaRPr/>
-          </a:p>
-          <a:p>
-            <a:pPr marL="0" lvl="0" indent="0" algn="l" rtl="0">
-              <a:spcBef>
-                <a:spcPts val="0"/>
-              </a:spcBef>
-              <a:spcAft>
-                <a:spcPts val="0"/>
-              </a:spcAft>
-              <a:buNone/>
-            </a:pPr>
-            <a:r>
-              <a:rPr lang="en-GB"/>
-              <a:t>[IVisualRectangle]&lt;-[GUI]</a:t>
-            </a:r>
-            <a:endParaRPr/>
-          </a:p>
-          <a:p>
-            <a:pPr marL="0" lvl="0" indent="0" algn="l" rtl="0">
-              <a:spcBef>
-                <a:spcPts val="0"/>
-              </a:spcBef>
-              <a:spcAft>
-                <a:spcPts val="0"/>
-              </a:spcAft>
-              <a:buNone/>
-            </a:pPr>
-            <a:r>
-              <a:rPr lang="en-GB"/>
-              <a:t>[IGeometricRectangle]&lt;-[GeometryComputeApp]</a:t>
-            </a:r>
-            <a:endParaRPr/>
-          </a:p>
-          <a:p>
-            <a:pPr marL="0" lvl="0" indent="0" algn="l" rtl="0">
-              <a:spcBef>
-                <a:spcPts val="0"/>
-              </a:spcBef>
-              <a:spcAft>
-                <a:spcPts val="0"/>
-              </a:spcAft>
-              <a:buNone/>
-            </a:pPr>
-            <a:endParaRPr/>
-          </a:p>
-          <a:p>
-            <a:pPr marL="0" lvl="0" indent="0" algn="l" rtl="0">
-              <a:spcBef>
-                <a:spcPts val="0"/>
-              </a:spcBef>
-              <a:spcAft>
-                <a:spcPts val="0"/>
-              </a:spcAft>
-              <a:buNone/>
-            </a:pPr>
-            <a:endParaRPr/>
-          </a:p>
-        </p:txBody>
-      </p:sp>
-    </p:spTree>
-  </p:cSld>
-  <p:clrMapOvr>
-    <a:masterClrMapping/>
-  </p:clrMapOvr>
-</p:notes>
-</file>
-
-<file path=ppt/notesSlides/notesSlide14.xml><?xml version="1.0" encoding="utf-8"?>
-<p:notes xmlns:a="http://schemas.openxmlformats.org/drawingml/2006/main" xmlns:r="http://schemas.openxmlformats.org/officeDocument/2006/relationships" xmlns:p="http://schemas.openxmlformats.org/presentationml/2006/main" showMasterSp="0" showMasterPhAnim="0">
-  <p:cSld>
-    <p:spTree>
-      <p:nvGrpSpPr>
-        <p:cNvPr id="1" name="Shape 133"/>
-        <p:cNvGrpSpPr/>
-        <p:nvPr/>
-      </p:nvGrpSpPr>
-      <p:grpSpPr>
-        <a:xfrm>
-          <a:off x="0" y="0"/>
-          <a:ext cx="0" cy="0"/>
-          <a:chOff x="0" y="0"/>
-          <a:chExt cx="0" cy="0"/>
-        </a:xfrm>
-      </p:grpSpPr>
-      <p:sp>
-        <p:nvSpPr>
-          <p:cNvPr id="134" name="Google Shape;134;g3459acaf3e_0_95:notes"/>
-          <p:cNvSpPr>
-            <a:spLocks noGrp="1" noRot="1" noChangeAspect="1"/>
-          </p:cNvSpPr>
-          <p:nvPr>
-            <p:ph type="sldImg" idx="2"/>
-          </p:nvPr>
-        </p:nvSpPr>
-        <p:spPr>
-          <a:xfrm>
-            <a:off x="381000" y="685800"/>
-            <a:ext cx="6096000" cy="3429000"/>
-          </a:xfrm>
-          <a:custGeom>
-            <a:avLst/>
-            <a:gdLst/>
-            <a:ahLst/>
-            <a:cxnLst/>
-            <a:rect l="l" t="t" r="r" b="b"/>
-            <a:pathLst>
-              <a:path w="120000" h="120000" extrusionOk="0">
-                <a:moveTo>
-                  <a:pt x="0" y="0"/>
-                </a:moveTo>
-                <a:lnTo>
-                  <a:pt x="120000" y="0"/>
-                </a:lnTo>
-                <a:lnTo>
-                  <a:pt x="120000" y="120000"/>
-                </a:lnTo>
-                <a:lnTo>
-                  <a:pt x="0" y="120000"/>
-                </a:lnTo>
-                <a:close/>
-              </a:path>
-            </a:pathLst>
-          </a:custGeom>
-        </p:spPr>
-      </p:sp>
-      <p:sp>
-        <p:nvSpPr>
-          <p:cNvPr id="135" name="Google Shape;135;g3459acaf3e_0_95:notes"/>
-          <p:cNvSpPr txBox="1">
-            <a:spLocks noGrp="1"/>
-          </p:cNvSpPr>
-          <p:nvPr>
-            <p:ph type="body" idx="1"/>
-          </p:nvPr>
-        </p:nvSpPr>
-        <p:spPr>
-          <a:xfrm>
-            <a:off x="685800" y="4343400"/>
-            <a:ext cx="5486400" cy="4114800"/>
-          </a:xfrm>
-          <a:prstGeom prst="rect">
-            <a:avLst/>
-          </a:prstGeom>
-        </p:spPr>
-        <p:txBody>
-          <a:bodyPr spcFirstLastPara="1" wrap="square" lIns="91425" tIns="91425" rIns="91425" bIns="91425" anchor="t" anchorCtr="0">
-            <a:noAutofit/>
-          </a:bodyPr>
-          <a:lstStyle/>
-          <a:p>
-            <a:pPr marL="0" lvl="0" indent="0" algn="l" rtl="0">
-              <a:spcBef>
-                <a:spcPts val="0"/>
-              </a:spcBef>
-              <a:spcAft>
-                <a:spcPts val="0"/>
-              </a:spcAft>
-              <a:buNone/>
-            </a:pPr>
-            <a:endParaRPr/>
-          </a:p>
-        </p:txBody>
-      </p:sp>
-    </p:spTree>
-  </p:cSld>
-  <p:clrMapOvr>
-    <a:masterClrMapping/>
-  </p:clrMapOvr>
-</p:notes>
-</file>
-
-<file path=ppt/notesSlides/notesSlide15.xml><?xml version="1.0" encoding="utf-8"?>
-<p:notes xmlns:a="http://schemas.openxmlformats.org/drawingml/2006/main" xmlns:r="http://schemas.openxmlformats.org/officeDocument/2006/relationships" xmlns:p="http://schemas.openxmlformats.org/presentationml/2006/main" showMasterSp="0" showMasterPhAnim="0">
-  <p:cSld>
-    <p:spTree>
-      <p:nvGrpSpPr>
-        <p:cNvPr id="1" name="Shape 140"/>
-        <p:cNvGrpSpPr/>
-        <p:nvPr/>
-      </p:nvGrpSpPr>
-      <p:grpSpPr>
-        <a:xfrm>
-          <a:off x="0" y="0"/>
-          <a:ext cx="0" cy="0"/>
-          <a:chOff x="0" y="0"/>
-          <a:chExt cx="0" cy="0"/>
-        </a:xfrm>
-      </p:grpSpPr>
-      <p:sp>
-        <p:nvSpPr>
-          <p:cNvPr id="141" name="Google Shape;141;g3459acaf3e_0_69:notes"/>
-          <p:cNvSpPr>
-            <a:spLocks noGrp="1" noRot="1" noChangeAspect="1"/>
-          </p:cNvSpPr>
-          <p:nvPr>
-            <p:ph type="sldImg" idx="2"/>
-          </p:nvPr>
-        </p:nvSpPr>
-        <p:spPr>
-          <a:xfrm>
-            <a:off x="381000" y="685800"/>
-            <a:ext cx="6096000" cy="3429000"/>
-          </a:xfrm>
-          <a:custGeom>
-            <a:avLst/>
-            <a:gdLst/>
-            <a:ahLst/>
-            <a:cxnLst/>
-            <a:rect l="l" t="t" r="r" b="b"/>
-            <a:pathLst>
-              <a:path w="120000" h="120000" extrusionOk="0">
-                <a:moveTo>
-                  <a:pt x="0" y="0"/>
-                </a:moveTo>
-                <a:lnTo>
-                  <a:pt x="120000" y="0"/>
-                </a:lnTo>
-                <a:lnTo>
-                  <a:pt x="120000" y="120000"/>
-                </a:lnTo>
-                <a:lnTo>
-                  <a:pt x="0" y="120000"/>
-                </a:lnTo>
-                <a:close/>
-              </a:path>
-            </a:pathLst>
-          </a:custGeom>
-        </p:spPr>
-      </p:sp>
-      <p:sp>
-        <p:nvSpPr>
-          <p:cNvPr id="142" name="Google Shape;142;g3459acaf3e_0_69:notes"/>
-          <p:cNvSpPr txBox="1">
-            <a:spLocks noGrp="1"/>
-          </p:cNvSpPr>
-          <p:nvPr>
-            <p:ph type="body" idx="1"/>
-          </p:nvPr>
-        </p:nvSpPr>
-        <p:spPr>
-          <a:xfrm>
-            <a:off x="685800" y="4343400"/>
-            <a:ext cx="5486400" cy="4114800"/>
-          </a:xfrm>
-          <a:prstGeom prst="rect">
-            <a:avLst/>
-          </a:prstGeom>
-        </p:spPr>
-        <p:txBody>
-          <a:bodyPr spcFirstLastPara="1" wrap="square" lIns="91425" tIns="91425" rIns="91425" bIns="91425" anchor="t" anchorCtr="0">
-            <a:noAutofit/>
-          </a:bodyPr>
-          <a:lstStyle/>
-          <a:p>
-            <a:pPr marL="0" lvl="0" indent="0" algn="l" rtl="0">
-              <a:spcBef>
-                <a:spcPts val="0"/>
-              </a:spcBef>
-              <a:spcAft>
-                <a:spcPts val="0"/>
-              </a:spcAft>
-              <a:buNone/>
-            </a:pPr>
-            <a:endParaRPr/>
-          </a:p>
-        </p:txBody>
-      </p:sp>
-    </p:spTree>
-  </p:cSld>
-  <p:clrMapOvr>
-    <a:masterClrMapping/>
-  </p:clrMapOvr>
-</p:notes>
-</file>
-
-<file path=ppt/notesSlides/notesSlide16.xml><?xml version="1.0" encoding="utf-8"?>
-<p:notes xmlns:a="http://schemas.openxmlformats.org/drawingml/2006/main" xmlns:r="http://schemas.openxmlformats.org/officeDocument/2006/relationships" xmlns:p="http://schemas.openxmlformats.org/presentationml/2006/main" showMasterSp="0" showMasterPhAnim="0">
-  <p:cSld>
-    <p:spTree>
-      <p:nvGrpSpPr>
-        <p:cNvPr id="1" name="Shape 146"/>
-        <p:cNvGrpSpPr/>
-        <p:nvPr/>
-      </p:nvGrpSpPr>
-      <p:grpSpPr>
-        <a:xfrm>
-          <a:off x="0" y="0"/>
-          <a:ext cx="0" cy="0"/>
-          <a:chOff x="0" y="0"/>
-          <a:chExt cx="0" cy="0"/>
-        </a:xfrm>
-      </p:grpSpPr>
-      <p:sp>
-        <p:nvSpPr>
-          <p:cNvPr id="147" name="Google Shape;147;g3459acaf3e_0_74:notes"/>
-          <p:cNvSpPr>
-            <a:spLocks noGrp="1" noRot="1" noChangeAspect="1"/>
-          </p:cNvSpPr>
-          <p:nvPr>
-            <p:ph type="sldImg" idx="2"/>
-          </p:nvPr>
-        </p:nvSpPr>
-        <p:spPr>
-          <a:xfrm>
-            <a:off x="381300" y="685800"/>
-            <a:ext cx="6096000" cy="3429000"/>
-          </a:xfrm>
-          <a:custGeom>
-            <a:avLst/>
-            <a:gdLst/>
-            <a:ahLst/>
-            <a:cxnLst/>
-            <a:rect l="l" t="t" r="r" b="b"/>
-            <a:pathLst>
-              <a:path w="120000" h="120000" extrusionOk="0">
-                <a:moveTo>
-                  <a:pt x="0" y="0"/>
-                </a:moveTo>
-                <a:lnTo>
-                  <a:pt x="120000" y="0"/>
-                </a:lnTo>
-                <a:lnTo>
-                  <a:pt x="120000" y="120000"/>
-                </a:lnTo>
-                <a:lnTo>
-                  <a:pt x="0" y="120000"/>
-                </a:lnTo>
-                <a:close/>
-              </a:path>
-            </a:pathLst>
-          </a:custGeom>
-        </p:spPr>
-      </p:sp>
-      <p:sp>
-        <p:nvSpPr>
-          <p:cNvPr id="148" name="Google Shape;148;g3459acaf3e_0_74:notes"/>
-          <p:cNvSpPr txBox="1">
-            <a:spLocks noGrp="1"/>
-          </p:cNvSpPr>
-          <p:nvPr>
-            <p:ph type="body" idx="1"/>
-          </p:nvPr>
-        </p:nvSpPr>
-        <p:spPr>
-          <a:xfrm>
-            <a:off x="685800" y="4343400"/>
-            <a:ext cx="5486400" cy="4114800"/>
-          </a:xfrm>
-          <a:prstGeom prst="rect">
-            <a:avLst/>
-          </a:prstGeom>
-        </p:spPr>
-        <p:txBody>
-          <a:bodyPr spcFirstLastPara="1" wrap="square" lIns="91425" tIns="91425" rIns="91425" bIns="91425" anchor="t" anchorCtr="0">
-            <a:noAutofit/>
-          </a:bodyPr>
-          <a:lstStyle/>
-          <a:p>
-            <a:pPr marL="0" lvl="0" indent="0" algn="l" rtl="0">
-              <a:spcBef>
-                <a:spcPts val="0"/>
-              </a:spcBef>
-              <a:spcAft>
-                <a:spcPts val="0"/>
-              </a:spcAft>
-              <a:buNone/>
-            </a:pPr>
-            <a:r>
-              <a:rPr lang="en-GB"/>
-              <a:t>Yuml.me</a:t>
-            </a:r>
-            <a:endParaRPr/>
-          </a:p>
-          <a:p>
-            <a:pPr marL="0" lvl="0" indent="0" algn="l" rtl="0">
-              <a:spcBef>
-                <a:spcPts val="0"/>
-              </a:spcBef>
-              <a:spcAft>
-                <a:spcPts val="0"/>
-              </a:spcAft>
-              <a:buNone/>
-            </a:pPr>
-            <a:endParaRPr/>
-          </a:p>
-          <a:p>
-            <a:pPr marL="0" lvl="0" indent="0" algn="l" rtl="0">
-              <a:spcBef>
-                <a:spcPts val="0"/>
-              </a:spcBef>
-              <a:spcAft>
-                <a:spcPts val="0"/>
-              </a:spcAft>
-              <a:buClr>
-                <a:schemeClr val="dk1"/>
-              </a:buClr>
-              <a:buSzPts val="1100"/>
-              <a:buFont typeface="Arial"/>
-              <a:buNone/>
-            </a:pPr>
-            <a:r>
-              <a:rPr lang="en-GB"/>
-              <a:t>[Ticket]-&gt;[User]</a:t>
-            </a:r>
-            <a:endParaRPr/>
-          </a:p>
-          <a:p>
-            <a:pPr marL="0" lvl="0" indent="0" algn="l" rtl="0">
-              <a:spcBef>
-                <a:spcPts val="0"/>
-              </a:spcBef>
-              <a:spcAft>
-                <a:spcPts val="0"/>
-              </a:spcAft>
-              <a:buClr>
-                <a:schemeClr val="dk1"/>
-              </a:buClr>
-              <a:buSzPts val="1100"/>
-              <a:buFont typeface="Arial"/>
-              <a:buNone/>
-            </a:pPr>
-            <a:r>
-              <a:rPr lang="en-GB"/>
-              <a:t>[Ticket]-&gt;[Concert]</a:t>
-            </a:r>
-            <a:endParaRPr/>
-          </a:p>
-          <a:p>
-            <a:pPr marL="0" lvl="0" indent="0" algn="l" rtl="0">
-              <a:spcBef>
-                <a:spcPts val="0"/>
-              </a:spcBef>
-              <a:spcAft>
-                <a:spcPts val="0"/>
-              </a:spcAft>
-              <a:buClr>
-                <a:schemeClr val="dk1"/>
-              </a:buClr>
-              <a:buSzPts val="1100"/>
-              <a:buFont typeface="Arial"/>
-              <a:buNone/>
-            </a:pPr>
-            <a:r>
-              <a:rPr lang="en-GB"/>
-              <a:t>[Concert]-*&gt;[Band]</a:t>
-            </a:r>
-            <a:endParaRPr/>
-          </a:p>
-          <a:p>
-            <a:pPr marL="0" lvl="0" indent="0" algn="l" rtl="0">
-              <a:spcBef>
-                <a:spcPts val="0"/>
-              </a:spcBef>
-              <a:spcAft>
-                <a:spcPts val="0"/>
-              </a:spcAft>
-              <a:buNone/>
-            </a:pPr>
-            <a:r>
-              <a:rPr lang="en-GB"/>
-              <a:t>[Band]-*&gt;[Concert]</a:t>
-            </a:r>
-            <a:endParaRPr/>
-          </a:p>
-        </p:txBody>
-      </p:sp>
-    </p:spTree>
-  </p:cSld>
-  <p:clrMapOvr>
-    <a:masterClrMapping/>
-  </p:clrMapOvr>
-</p:notes>
-</file>
-
 <file path=ppt/notesSlides/notesSlide2.xml><?xml version="1.0" encoding="utf-8"?>
 <p:notes xmlns:a="http://schemas.openxmlformats.org/drawingml/2006/main" xmlns:r="http://schemas.openxmlformats.org/officeDocument/2006/relationships" xmlns:p="http://schemas.openxmlformats.org/presentationml/2006/main" showMasterSp="0" showMasterPhAnim="0">
   <p:cSld>
@@ -2024,7 +1019,7 @@
   <p:cSld>
     <p:spTree>
       <p:nvGrpSpPr>
-        <p:cNvPr id="1" name="Shape 68"/>
+        <p:cNvPr id="1" name="Shape 146"/>
         <p:cNvGrpSpPr/>
         <p:nvPr/>
       </p:nvGrpSpPr>
@@ -2038,7 +1033,7 @@
       </p:grpSpPr>
       <p:sp>
         <p:nvSpPr>
-          <p:cNvPr id="69" name="Google Shape;69;g3459acaf3e_0_5:notes"/>
+          <p:cNvPr id="147" name="Google Shape;147;g3459acaf3e_0_74:notes"/>
           <p:cNvSpPr>
             <a:spLocks noGrp="1" noRot="1" noChangeAspect="1"/>
           </p:cNvSpPr>
@@ -2079,7 +1074,7 @@
       </p:sp>
       <p:sp>
         <p:nvSpPr>
-          <p:cNvPr id="70" name="Google Shape;70;g3459acaf3e_0_5:notes"/>
+          <p:cNvPr id="148" name="Google Shape;148;g3459acaf3e_0_74:notes"/>
           <p:cNvSpPr txBox="1">
             <a:spLocks noGrp="1"/>
           </p:cNvSpPr>
@@ -2111,100 +1106,12 @@
               </a:spcAft>
               <a:buNone/>
             </a:pPr>
+            <a:r>
+              <a:rPr lang="en-GB"/>
+              <a:t>Yuml.me</a:t>
+            </a:r>
             <a:endParaRPr/>
           </a:p>
-        </p:txBody>
-      </p:sp>
-    </p:spTree>
-  </p:cSld>
-  <p:clrMapOvr>
-    <a:masterClrMapping/>
-  </p:clrMapOvr>
-</p:notes>
-</file>
-
-<file path=ppt/notesSlides/notesSlide5.xml><?xml version="1.0" encoding="utf-8"?>
-<p:notes xmlns:a="http://schemas.openxmlformats.org/drawingml/2006/main" xmlns:r="http://schemas.openxmlformats.org/officeDocument/2006/relationships" xmlns:p="http://schemas.openxmlformats.org/presentationml/2006/main" showMasterSp="0" showMasterPhAnim="0">
-  <p:cSld>
-    <p:spTree>
-      <p:nvGrpSpPr>
-        <p:cNvPr id="1" name="Shape 74"/>
-        <p:cNvGrpSpPr/>
-        <p:nvPr/>
-      </p:nvGrpSpPr>
-      <p:grpSpPr>
-        <a:xfrm>
-          <a:off x="0" y="0"/>
-          <a:ext cx="0" cy="0"/>
-          <a:chOff x="0" y="0"/>
-          <a:chExt cx="0" cy="0"/>
-        </a:xfrm>
-      </p:grpSpPr>
-      <p:sp>
-        <p:nvSpPr>
-          <p:cNvPr id="75" name="Google Shape;75;g3459acaf3e_0_30:notes"/>
-          <p:cNvSpPr>
-            <a:spLocks noGrp="1" noRot="1" noChangeAspect="1"/>
-          </p:cNvSpPr>
-          <p:nvPr>
-            <p:ph type="sldImg" idx="2"/>
-          </p:nvPr>
-        </p:nvSpPr>
-        <p:spPr>
-          <a:xfrm>
-            <a:off x="381000" y="685800"/>
-            <a:ext cx="6096000" cy="3429000"/>
-          </a:xfrm>
-          <a:custGeom>
-            <a:avLst/>
-            <a:gdLst/>
-            <a:ahLst/>
-            <a:cxnLst/>
-            <a:rect l="l" t="t" r="r" b="b"/>
-            <a:pathLst>
-              <a:path w="120000" h="120000" extrusionOk="0">
-                <a:moveTo>
-                  <a:pt x="0" y="0"/>
-                </a:moveTo>
-                <a:lnTo>
-                  <a:pt x="120000" y="0"/>
-                </a:lnTo>
-                <a:lnTo>
-                  <a:pt x="120000" y="120000"/>
-                </a:lnTo>
-                <a:lnTo>
-                  <a:pt x="0" y="120000"/>
-                </a:lnTo>
-                <a:close/>
-              </a:path>
-            </a:pathLst>
-          </a:custGeom>
-        </p:spPr>
-      </p:sp>
-      <p:sp>
-        <p:nvSpPr>
-          <p:cNvPr id="76" name="Google Shape;76;g3459acaf3e_0_30:notes"/>
-          <p:cNvSpPr txBox="1">
-            <a:spLocks noGrp="1"/>
-          </p:cNvSpPr>
-          <p:nvPr>
-            <p:ph type="body" idx="1"/>
-          </p:nvPr>
-        </p:nvSpPr>
-        <p:spPr>
-          <a:xfrm>
-            <a:off x="685800" y="4343400"/>
-            <a:ext cx="5486400" cy="4114800"/>
-          </a:xfrm>
-          <a:prstGeom prst="rect">
-            <a:avLst/>
-          </a:prstGeom>
-        </p:spPr>
-        <p:txBody>
-          <a:bodyPr spcFirstLastPara="1" wrap="square" lIns="91425" tIns="91425" rIns="91425" bIns="91425" anchor="t" anchorCtr="0">
-            <a:noAutofit/>
-          </a:bodyPr>
-          <a:lstStyle/>
           <a:p>
             <a:pPr marL="0" lvl="0" indent="0" algn="l" rtl="0">
               <a:spcBef>
@@ -2215,322 +1122,6 @@
               </a:spcAft>
               <a:buNone/>
             </a:pPr>
-            <a:endParaRPr/>
-          </a:p>
-        </p:txBody>
-      </p:sp>
-    </p:spTree>
-  </p:cSld>
-  <p:clrMapOvr>
-    <a:masterClrMapping/>
-  </p:clrMapOvr>
-</p:notes>
-</file>
-
-<file path=ppt/notesSlides/notesSlide6.xml><?xml version="1.0" encoding="utf-8"?>
-<p:notes xmlns:a="http://schemas.openxmlformats.org/drawingml/2006/main" xmlns:r="http://schemas.openxmlformats.org/officeDocument/2006/relationships" xmlns:p="http://schemas.openxmlformats.org/presentationml/2006/main" showMasterSp="0" showMasterPhAnim="0">
-  <p:cSld>
-    <p:spTree>
-      <p:nvGrpSpPr>
-        <p:cNvPr id="1" name="Shape 81"/>
-        <p:cNvGrpSpPr/>
-        <p:nvPr/>
-      </p:nvGrpSpPr>
-      <p:grpSpPr>
-        <a:xfrm>
-          <a:off x="0" y="0"/>
-          <a:ext cx="0" cy="0"/>
-          <a:chOff x="0" y="0"/>
-          <a:chExt cx="0" cy="0"/>
-        </a:xfrm>
-      </p:grpSpPr>
-      <p:sp>
-        <p:nvSpPr>
-          <p:cNvPr id="82" name="Google Shape;82;g3459acaf3e_0_42:notes"/>
-          <p:cNvSpPr>
-            <a:spLocks noGrp="1" noRot="1" noChangeAspect="1"/>
-          </p:cNvSpPr>
-          <p:nvPr>
-            <p:ph type="sldImg" idx="2"/>
-          </p:nvPr>
-        </p:nvSpPr>
-        <p:spPr>
-          <a:xfrm>
-            <a:off x="381000" y="685800"/>
-            <a:ext cx="6096000" cy="3429000"/>
-          </a:xfrm>
-          <a:custGeom>
-            <a:avLst/>
-            <a:gdLst/>
-            <a:ahLst/>
-            <a:cxnLst/>
-            <a:rect l="l" t="t" r="r" b="b"/>
-            <a:pathLst>
-              <a:path w="120000" h="120000" extrusionOk="0">
-                <a:moveTo>
-                  <a:pt x="0" y="0"/>
-                </a:moveTo>
-                <a:lnTo>
-                  <a:pt x="120000" y="0"/>
-                </a:lnTo>
-                <a:lnTo>
-                  <a:pt x="120000" y="120000"/>
-                </a:lnTo>
-                <a:lnTo>
-                  <a:pt x="0" y="120000"/>
-                </a:lnTo>
-                <a:close/>
-              </a:path>
-            </a:pathLst>
-          </a:custGeom>
-        </p:spPr>
-      </p:sp>
-      <p:sp>
-        <p:nvSpPr>
-          <p:cNvPr id="83" name="Google Shape;83;g3459acaf3e_0_42:notes"/>
-          <p:cNvSpPr txBox="1">
-            <a:spLocks noGrp="1"/>
-          </p:cNvSpPr>
-          <p:nvPr>
-            <p:ph type="body" idx="1"/>
-          </p:nvPr>
-        </p:nvSpPr>
-        <p:spPr>
-          <a:xfrm>
-            <a:off x="685800" y="4343400"/>
-            <a:ext cx="5486400" cy="4114800"/>
-          </a:xfrm>
-          <a:prstGeom prst="rect">
-            <a:avLst/>
-          </a:prstGeom>
-        </p:spPr>
-        <p:txBody>
-          <a:bodyPr spcFirstLastPara="1" wrap="square" lIns="91425" tIns="91425" rIns="91425" bIns="91425" anchor="t" anchorCtr="0">
-            <a:noAutofit/>
-          </a:bodyPr>
-          <a:lstStyle/>
-          <a:p>
-            <a:pPr marL="0" lvl="0" indent="0" algn="l" rtl="0">
-              <a:spcBef>
-                <a:spcPts val="0"/>
-              </a:spcBef>
-              <a:spcAft>
-                <a:spcPts val="0"/>
-              </a:spcAft>
-              <a:buNone/>
-            </a:pPr>
-            <a:endParaRPr/>
-          </a:p>
-        </p:txBody>
-      </p:sp>
-    </p:spTree>
-  </p:cSld>
-  <p:clrMapOvr>
-    <a:masterClrMapping/>
-  </p:clrMapOvr>
-</p:notes>
-</file>
-
-<file path=ppt/notesSlides/notesSlide7.xml><?xml version="1.0" encoding="utf-8"?>
-<p:notes xmlns:a="http://schemas.openxmlformats.org/drawingml/2006/main" xmlns:r="http://schemas.openxmlformats.org/officeDocument/2006/relationships" xmlns:p="http://schemas.openxmlformats.org/presentationml/2006/main" showMasterSp="0" showMasterPhAnim="0">
-  <p:cSld>
-    <p:spTree>
-      <p:nvGrpSpPr>
-        <p:cNvPr id="1" name="Shape 87"/>
-        <p:cNvGrpSpPr/>
-        <p:nvPr/>
-      </p:nvGrpSpPr>
-      <p:grpSpPr>
-        <a:xfrm>
-          <a:off x="0" y="0"/>
-          <a:ext cx="0" cy="0"/>
-          <a:chOff x="0" y="0"/>
-          <a:chExt cx="0" cy="0"/>
-        </a:xfrm>
-      </p:grpSpPr>
-      <p:sp>
-        <p:nvSpPr>
-          <p:cNvPr id="88" name="Google Shape;88;g3459acaf3e_0_25:notes"/>
-          <p:cNvSpPr>
-            <a:spLocks noGrp="1" noRot="1" noChangeAspect="1"/>
-          </p:cNvSpPr>
-          <p:nvPr>
-            <p:ph type="sldImg" idx="2"/>
-          </p:nvPr>
-        </p:nvSpPr>
-        <p:spPr>
-          <a:xfrm>
-            <a:off x="381300" y="685800"/>
-            <a:ext cx="6096000" cy="3429000"/>
-          </a:xfrm>
-          <a:custGeom>
-            <a:avLst/>
-            <a:gdLst/>
-            <a:ahLst/>
-            <a:cxnLst/>
-            <a:rect l="l" t="t" r="r" b="b"/>
-            <a:pathLst>
-              <a:path w="120000" h="120000" extrusionOk="0">
-                <a:moveTo>
-                  <a:pt x="0" y="0"/>
-                </a:moveTo>
-                <a:lnTo>
-                  <a:pt x="120000" y="0"/>
-                </a:lnTo>
-                <a:lnTo>
-                  <a:pt x="120000" y="120000"/>
-                </a:lnTo>
-                <a:lnTo>
-                  <a:pt x="0" y="120000"/>
-                </a:lnTo>
-                <a:close/>
-              </a:path>
-            </a:pathLst>
-          </a:custGeom>
-        </p:spPr>
-      </p:sp>
-      <p:sp>
-        <p:nvSpPr>
-          <p:cNvPr id="89" name="Google Shape;89;g3459acaf3e_0_25:notes"/>
-          <p:cNvSpPr txBox="1">
-            <a:spLocks noGrp="1"/>
-          </p:cNvSpPr>
-          <p:nvPr>
-            <p:ph type="body" idx="1"/>
-          </p:nvPr>
-        </p:nvSpPr>
-        <p:spPr>
-          <a:xfrm>
-            <a:off x="685800" y="4343400"/>
-            <a:ext cx="5486400" cy="4114800"/>
-          </a:xfrm>
-          <a:prstGeom prst="rect">
-            <a:avLst/>
-          </a:prstGeom>
-        </p:spPr>
-        <p:txBody>
-          <a:bodyPr spcFirstLastPara="1" wrap="square" lIns="91425" tIns="91425" rIns="91425" bIns="91425" anchor="t" anchorCtr="0">
-            <a:noAutofit/>
-          </a:bodyPr>
-          <a:lstStyle/>
-          <a:p>
-            <a:pPr marL="0" lvl="0" indent="0" algn="l" rtl="0">
-              <a:spcBef>
-                <a:spcPts val="0"/>
-              </a:spcBef>
-              <a:spcAft>
-                <a:spcPts val="0"/>
-              </a:spcAft>
-              <a:buNone/>
-            </a:pPr>
-            <a:endParaRPr/>
-          </a:p>
-        </p:txBody>
-      </p:sp>
-    </p:spTree>
-  </p:cSld>
-  <p:clrMapOvr>
-    <a:masterClrMapping/>
-  </p:clrMapOvr>
-</p:notes>
-</file>
-
-<file path=ppt/notesSlides/notesSlide8.xml><?xml version="1.0" encoding="utf-8"?>
-<p:notes xmlns:a="http://schemas.openxmlformats.org/drawingml/2006/main" xmlns:r="http://schemas.openxmlformats.org/officeDocument/2006/relationships" xmlns:p="http://schemas.openxmlformats.org/presentationml/2006/main" showMasterSp="0" showMasterPhAnim="0">
-  <p:cSld>
-    <p:spTree>
-      <p:nvGrpSpPr>
-        <p:cNvPr id="1" name="Shape 93"/>
-        <p:cNvGrpSpPr/>
-        <p:nvPr/>
-      </p:nvGrpSpPr>
-      <p:grpSpPr>
-        <a:xfrm>
-          <a:off x="0" y="0"/>
-          <a:ext cx="0" cy="0"/>
-          <a:chOff x="0" y="0"/>
-          <a:chExt cx="0" cy="0"/>
-        </a:xfrm>
-      </p:grpSpPr>
-      <p:sp>
-        <p:nvSpPr>
-          <p:cNvPr id="94" name="Google Shape;94;g3459acaf3e_0_20:notes"/>
-          <p:cNvSpPr>
-            <a:spLocks noGrp="1" noRot="1" noChangeAspect="1"/>
-          </p:cNvSpPr>
-          <p:nvPr>
-            <p:ph type="sldImg" idx="2"/>
-          </p:nvPr>
-        </p:nvSpPr>
-        <p:spPr>
-          <a:xfrm>
-            <a:off x="381000" y="685800"/>
-            <a:ext cx="6096000" cy="3429000"/>
-          </a:xfrm>
-          <a:custGeom>
-            <a:avLst/>
-            <a:gdLst/>
-            <a:ahLst/>
-            <a:cxnLst/>
-            <a:rect l="l" t="t" r="r" b="b"/>
-            <a:pathLst>
-              <a:path w="120000" h="120000" extrusionOk="0">
-                <a:moveTo>
-                  <a:pt x="0" y="0"/>
-                </a:moveTo>
-                <a:lnTo>
-                  <a:pt x="120000" y="0"/>
-                </a:lnTo>
-                <a:lnTo>
-                  <a:pt x="120000" y="120000"/>
-                </a:lnTo>
-                <a:lnTo>
-                  <a:pt x="0" y="120000"/>
-                </a:lnTo>
-                <a:close/>
-              </a:path>
-            </a:pathLst>
-          </a:custGeom>
-        </p:spPr>
-      </p:sp>
-      <p:sp>
-        <p:nvSpPr>
-          <p:cNvPr id="95" name="Google Shape;95;g3459acaf3e_0_20:notes"/>
-          <p:cNvSpPr txBox="1">
-            <a:spLocks noGrp="1"/>
-          </p:cNvSpPr>
-          <p:nvPr>
-            <p:ph type="body" idx="1"/>
-          </p:nvPr>
-        </p:nvSpPr>
-        <p:spPr>
-          <a:xfrm>
-            <a:off x="685800" y="4343400"/>
-            <a:ext cx="5486400" cy="4114800"/>
-          </a:xfrm>
-          <a:prstGeom prst="rect">
-            <a:avLst/>
-          </a:prstGeom>
-        </p:spPr>
-        <p:txBody>
-          <a:bodyPr spcFirstLastPara="1" wrap="square" lIns="91425" tIns="91425" rIns="91425" bIns="91425" anchor="t" anchorCtr="0">
-            <a:noAutofit/>
-          </a:bodyPr>
-          <a:lstStyle/>
-          <a:p>
-            <a:pPr marL="0" lvl="0" indent="0" algn="l" rtl="0">
-              <a:spcBef>
-                <a:spcPts val="0"/>
-              </a:spcBef>
-              <a:spcAft>
-                <a:spcPts val="0"/>
-              </a:spcAft>
-              <a:buNone/>
-            </a:pPr>
-            <a:r>
-              <a:rPr lang="en-GB"/>
-              <a:t>yuml.me</a:t>
-            </a:r>
             <a:endParaRPr/>
           </a:p>
           <a:p>
@@ -2550,7 +1141,7 @@
             </a:pPr>
             <a:r>
               <a:rPr lang="en-GB"/>
-              <a:t>[Rectangle|calculateArea();draw()]&lt;-[GUI]</a:t>
+              <a:t>[Ticket]-&gt;[User]</a:t>
             </a:r>
             <a:endParaRPr/>
           </a:p>
@@ -2571,140 +1162,8 @@
             </a:pPr>
             <a:r>
               <a:rPr lang="en-GB"/>
-              <a:t>[Rectangle]&lt;-[GeometryComputeApp] </a:t>
-            </a:r>
-            <a:endParaRPr/>
-          </a:p>
-          <a:p>
-            <a:pPr marL="0" lvl="0" indent="0" algn="l" rtl="0">
-              <a:spcBef>
-                <a:spcPts val="0"/>
-              </a:spcBef>
-              <a:spcAft>
-                <a:spcPts val="0"/>
-              </a:spcAft>
-              <a:buNone/>
-            </a:pPr>
-            <a:endParaRPr/>
-          </a:p>
-        </p:txBody>
-      </p:sp>
-    </p:spTree>
-  </p:cSld>
-  <p:clrMapOvr>
-    <a:masterClrMapping/>
-  </p:clrMapOvr>
-</p:notes>
-</file>
-
-<file path=ppt/notesSlides/notesSlide9.xml><?xml version="1.0" encoding="utf-8"?>
-<p:notes xmlns:a="http://schemas.openxmlformats.org/drawingml/2006/main" xmlns:r="http://schemas.openxmlformats.org/officeDocument/2006/relationships" xmlns:p="http://schemas.openxmlformats.org/presentationml/2006/main" showMasterSp="0" showMasterPhAnim="0">
-  <p:cSld>
-    <p:spTree>
-      <p:nvGrpSpPr>
-        <p:cNvPr id="1" name="Shape 100"/>
-        <p:cNvGrpSpPr/>
-        <p:nvPr/>
-      </p:nvGrpSpPr>
-      <p:grpSpPr>
-        <a:xfrm>
-          <a:off x="0" y="0"/>
-          <a:ext cx="0" cy="0"/>
-          <a:chOff x="0" y="0"/>
-          <a:chExt cx="0" cy="0"/>
-        </a:xfrm>
-      </p:grpSpPr>
-      <p:sp>
-        <p:nvSpPr>
-          <p:cNvPr id="101" name="Google Shape;101;g3459acaf3e_0_55:notes"/>
-          <p:cNvSpPr>
-            <a:spLocks noGrp="1" noRot="1" noChangeAspect="1"/>
-          </p:cNvSpPr>
-          <p:nvPr>
-            <p:ph type="sldImg" idx="2"/>
-          </p:nvPr>
-        </p:nvSpPr>
-        <p:spPr>
-          <a:xfrm>
-            <a:off x="381000" y="685800"/>
-            <a:ext cx="6096000" cy="3429000"/>
-          </a:xfrm>
-          <a:custGeom>
-            <a:avLst/>
-            <a:gdLst/>
-            <a:ahLst/>
-            <a:cxnLst/>
-            <a:rect l="l" t="t" r="r" b="b"/>
-            <a:pathLst>
-              <a:path w="120000" h="120000" extrusionOk="0">
-                <a:moveTo>
-                  <a:pt x="0" y="0"/>
-                </a:moveTo>
-                <a:lnTo>
-                  <a:pt x="120000" y="0"/>
-                </a:lnTo>
-                <a:lnTo>
-                  <a:pt x="120000" y="120000"/>
-                </a:lnTo>
-                <a:lnTo>
-                  <a:pt x="0" y="120000"/>
-                </a:lnTo>
-                <a:close/>
-              </a:path>
-            </a:pathLst>
-          </a:custGeom>
-        </p:spPr>
-      </p:sp>
-      <p:sp>
-        <p:nvSpPr>
-          <p:cNvPr id="102" name="Google Shape;102;g3459acaf3e_0_55:notes"/>
-          <p:cNvSpPr txBox="1">
-            <a:spLocks noGrp="1"/>
-          </p:cNvSpPr>
-          <p:nvPr>
-            <p:ph type="body" idx="1"/>
-          </p:nvPr>
-        </p:nvSpPr>
-        <p:spPr>
-          <a:xfrm>
-            <a:off x="685800" y="4343400"/>
-            <a:ext cx="5486400" cy="4114800"/>
-          </a:xfrm>
-          <a:prstGeom prst="rect">
-            <a:avLst/>
-          </a:prstGeom>
-        </p:spPr>
-        <p:txBody>
-          <a:bodyPr spcFirstLastPara="1" wrap="square" lIns="91425" tIns="91425" rIns="91425" bIns="91425" anchor="t" anchorCtr="0">
-            <a:noAutofit/>
-          </a:bodyPr>
-          <a:lstStyle/>
-          <a:p>
-            <a:pPr marL="0" lvl="0" indent="0" algn="l" rtl="0">
-              <a:spcBef>
-                <a:spcPts val="0"/>
-              </a:spcBef>
-              <a:spcAft>
-                <a:spcPts val="0"/>
-              </a:spcAft>
-              <a:buNone/>
-            </a:pPr>
-            <a:r>
-              <a:rPr lang="en-GB"/>
-              <a:t>Yuml.me</a:t>
-            </a:r>
-            <a:endParaRPr/>
-          </a:p>
-          <a:p>
-            <a:pPr marL="0" lvl="0" indent="0" algn="l" rtl="0">
-              <a:spcBef>
-                <a:spcPts val="0"/>
-              </a:spcBef>
-              <a:spcAft>
-                <a:spcPts val="0"/>
-              </a:spcAft>
-              <a:buNone/>
-            </a:pPr>
+              <a:t>[Ticket]-&gt;[Concert]</a:t>
+            </a:r>
             <a:endParaRPr/>
           </a:p>
           <a:p>
@@ -2724,7 +1183,7 @@
             </a:pPr>
             <a:r>
               <a:rPr lang="en-GB"/>
-              <a:t>[Rectangle|draw()]</a:t>
+              <a:t>[Concert]-*&gt;[Band]</a:t>
             </a:r>
             <a:endParaRPr/>
           </a:p>
@@ -2736,109 +1195,12 @@
               <a:spcAft>
                 <a:spcPts val="0"/>
               </a:spcAft>
-              <a:buClr>
-                <a:schemeClr val="dk1"/>
-              </a:buClr>
-              <a:buSzPts val="1100"/>
-              <a:buFont typeface="Arial"/>
               <a:buNone/>
             </a:pPr>
             <a:r>
               <a:rPr lang="en-GB"/>
-              <a:t>[Rectangle]&lt;-[GUI]</a:t>
-            </a:r>
-            <a:endParaRPr/>
-          </a:p>
-          <a:p>
-            <a:pPr marL="0" lvl="0" indent="0" algn="l" rtl="0">
-              <a:spcBef>
-                <a:spcPts val="0"/>
-              </a:spcBef>
-              <a:spcAft>
-                <a:spcPts val="0"/>
-              </a:spcAft>
-              <a:buClr>
-                <a:schemeClr val="dk1"/>
-              </a:buClr>
-              <a:buSzPts val="1100"/>
-              <a:buFont typeface="Arial"/>
-              <a:buNone/>
-            </a:pPr>
-            <a:endParaRPr/>
-          </a:p>
-          <a:p>
-            <a:pPr marL="0" lvl="0" indent="0" algn="l" rtl="0">
-              <a:spcBef>
-                <a:spcPts val="0"/>
-              </a:spcBef>
-              <a:spcAft>
-                <a:spcPts val="0"/>
-              </a:spcAft>
-              <a:buClr>
-                <a:schemeClr val="dk1"/>
-              </a:buClr>
-              <a:buSzPts val="1100"/>
-              <a:buFont typeface="Arial"/>
-              <a:buNone/>
-            </a:pPr>
-            <a:r>
-              <a:rPr lang="en-GB"/>
-              <a:t>[GeometricRectangle|calculateArea()]</a:t>
-            </a:r>
-            <a:endParaRPr/>
-          </a:p>
-          <a:p>
-            <a:pPr marL="0" lvl="0" indent="0" algn="l" rtl="0">
-              <a:spcBef>
-                <a:spcPts val="0"/>
-              </a:spcBef>
-              <a:spcAft>
-                <a:spcPts val="0"/>
-              </a:spcAft>
-              <a:buClr>
-                <a:schemeClr val="dk1"/>
-              </a:buClr>
-              <a:buSzPts val="1100"/>
-              <a:buFont typeface="Arial"/>
-              <a:buNone/>
-            </a:pPr>
-            <a:r>
-              <a:rPr lang="en-GB"/>
-              <a:t>[Rectangle]-&gt;[GeometricRectangle]</a:t>
-            </a:r>
-            <a:endParaRPr/>
-          </a:p>
-          <a:p>
-            <a:pPr marL="0" lvl="0" indent="0" algn="l" rtl="0">
-              <a:spcBef>
-                <a:spcPts val="0"/>
-              </a:spcBef>
-              <a:spcAft>
-                <a:spcPts val="0"/>
-              </a:spcAft>
-              <a:buClr>
-                <a:schemeClr val="dk1"/>
-              </a:buClr>
-              <a:buSzPts val="1100"/>
-              <a:buFont typeface="Arial"/>
-              <a:buNone/>
-            </a:pPr>
-            <a:r>
-              <a:rPr lang="en-GB"/>
-              <a:t>[GeometricRectangle]&lt;-[GeometryComputeApp]</a:t>
-            </a:r>
-            <a:endParaRPr/>
-          </a:p>
-          <a:p>
-            <a:pPr marL="0" lvl="0" indent="0" algn="l" rtl="0">
-              <a:spcBef>
-                <a:spcPts val="0"/>
-              </a:spcBef>
-              <a:spcAft>
-                <a:spcPts val="0"/>
-              </a:spcAft>
-              <a:buNone/>
-            </a:pPr>
+              <a:t>[Band]-*&gt;[Concert]</a:t>
+            </a:r>
             <a:endParaRPr/>
           </a:p>
         </p:txBody>
@@ -7695,7 +6057,7 @@
             </a:pPr>
             <a:r>
               <a:rPr lang="en-GB" dirty="0"/>
-              <a:t>Software Design 2021</a:t>
+              <a:t>Software Design 2022</a:t>
             </a:r>
             <a:endParaRPr dirty="0"/>
           </a:p>
@@ -7710,948 +6072,6 @@
 </file>
 
 <file path=ppt/slides/slide10.xml><?xml version="1.0" encoding="utf-8"?>
-<p:sld xmlns:a="http://schemas.openxmlformats.org/drawingml/2006/main" xmlns:r="http://schemas.openxmlformats.org/officeDocument/2006/relationships" xmlns:p="http://schemas.openxmlformats.org/presentationml/2006/main">
-  <p:cSld>
-    <p:spTree>
-      <p:nvGrpSpPr>
-        <p:cNvPr id="1" name="Shape 96"/>
-        <p:cNvGrpSpPr/>
-        <p:nvPr/>
-      </p:nvGrpSpPr>
-      <p:grpSpPr>
-        <a:xfrm>
-          <a:off x="0" y="0"/>
-          <a:ext cx="0" cy="0"/>
-          <a:chOff x="0" y="0"/>
-          <a:chExt cx="0" cy="0"/>
-        </a:xfrm>
-      </p:grpSpPr>
-      <p:sp>
-        <p:nvSpPr>
-          <p:cNvPr id="97" name="Google Shape;97;p20"/>
-          <p:cNvSpPr txBox="1">
-            <a:spLocks noGrp="1"/>
-          </p:cNvSpPr>
-          <p:nvPr>
-            <p:ph type="title"/>
-          </p:nvPr>
-        </p:nvSpPr>
-        <p:spPr>
-          <a:xfrm>
-            <a:off x="311700" y="445025"/>
-            <a:ext cx="8520600" cy="572700"/>
-          </a:xfrm>
-          <a:prstGeom prst="rect">
-            <a:avLst/>
-          </a:prstGeom>
-        </p:spPr>
-        <p:txBody>
-          <a:bodyPr spcFirstLastPara="1" wrap="square" lIns="91425" tIns="91425" rIns="91425" bIns="91425" anchor="t" anchorCtr="0">
-            <a:noAutofit/>
-          </a:bodyPr>
-          <a:lstStyle/>
-          <a:p>
-            <a:pPr marL="0" lvl="0" indent="0" algn="l" rtl="0">
-              <a:spcBef>
-                <a:spcPts val="0"/>
-              </a:spcBef>
-              <a:spcAft>
-                <a:spcPts val="0"/>
-              </a:spcAft>
-              <a:buNone/>
-            </a:pPr>
-            <a:r>
-              <a:rPr lang="en-GB"/>
-              <a:t>SOLID - Single Responsibility Principle</a:t>
-            </a:r>
-            <a:endParaRPr/>
-          </a:p>
-        </p:txBody>
-      </p:sp>
-      <p:sp>
-        <p:nvSpPr>
-          <p:cNvPr id="98" name="Google Shape;98;p20"/>
-          <p:cNvSpPr txBox="1">
-            <a:spLocks noGrp="1"/>
-          </p:cNvSpPr>
-          <p:nvPr>
-            <p:ph type="body" idx="1"/>
-          </p:nvPr>
-        </p:nvSpPr>
-        <p:spPr>
-          <a:xfrm>
-            <a:off x="311700" y="1152475"/>
-            <a:ext cx="8520600" cy="3416400"/>
-          </a:xfrm>
-          <a:prstGeom prst="rect">
-            <a:avLst/>
-          </a:prstGeom>
-        </p:spPr>
-        <p:txBody>
-          <a:bodyPr spcFirstLastPara="1" wrap="square" lIns="91425" tIns="91425" rIns="91425" bIns="91425" anchor="t" anchorCtr="0">
-            <a:noAutofit/>
-          </a:bodyPr>
-          <a:lstStyle/>
-          <a:p>
-            <a:pPr marL="457200" lvl="0" indent="-342900" algn="l" rtl="0">
-              <a:spcBef>
-                <a:spcPts val="0"/>
-              </a:spcBef>
-              <a:spcAft>
-                <a:spcPts val="0"/>
-              </a:spcAft>
-              <a:buSzPts val="1800"/>
-              <a:buChar char="●"/>
-            </a:pPr>
-            <a:r>
-              <a:rPr lang="en-US" dirty="0"/>
-              <a:t>A class should only have one reason to change</a:t>
-            </a:r>
-            <a:endParaRPr dirty="0"/>
-          </a:p>
-        </p:txBody>
-      </p:sp>
-      <p:pic>
-        <p:nvPicPr>
-          <p:cNvPr id="99" name="Google Shape;99;p20"/>
-          <p:cNvPicPr preferRelativeResize="0"/>
-          <p:nvPr/>
-        </p:nvPicPr>
-        <p:blipFill>
-          <a:blip r:embed="rId3">
-            <a:alphaModFix/>
-          </a:blip>
-          <a:stretch>
-            <a:fillRect/>
-          </a:stretch>
-        </p:blipFill>
-        <p:spPr>
-          <a:xfrm>
-            <a:off x="1214300" y="2152282"/>
-            <a:ext cx="6715376" cy="2029200"/>
-          </a:xfrm>
-          <a:prstGeom prst="rect">
-            <a:avLst/>
-          </a:prstGeom>
-          <a:noFill/>
-          <a:ln>
-            <a:noFill/>
-          </a:ln>
-        </p:spPr>
-      </p:pic>
-    </p:spTree>
-  </p:cSld>
-  <p:clrMapOvr>
-    <a:masterClrMapping/>
-  </p:clrMapOvr>
-</p:sld>
-</file>
-
-<file path=ppt/slides/slide11.xml><?xml version="1.0" encoding="utf-8"?>
-<p:sld xmlns:a="http://schemas.openxmlformats.org/drawingml/2006/main" xmlns:r="http://schemas.openxmlformats.org/officeDocument/2006/relationships" xmlns:p="http://schemas.openxmlformats.org/presentationml/2006/main">
-  <p:cSld>
-    <p:spTree>
-      <p:nvGrpSpPr>
-        <p:cNvPr id="1" name="Shape 103"/>
-        <p:cNvGrpSpPr/>
-        <p:nvPr/>
-      </p:nvGrpSpPr>
-      <p:grpSpPr>
-        <a:xfrm>
-          <a:off x="0" y="0"/>
-          <a:ext cx="0" cy="0"/>
-          <a:chOff x="0" y="0"/>
-          <a:chExt cx="0" cy="0"/>
-        </a:xfrm>
-      </p:grpSpPr>
-      <p:sp>
-        <p:nvSpPr>
-          <p:cNvPr id="104" name="Google Shape;104;p21"/>
-          <p:cNvSpPr txBox="1">
-            <a:spLocks noGrp="1"/>
-          </p:cNvSpPr>
-          <p:nvPr>
-            <p:ph type="title"/>
-          </p:nvPr>
-        </p:nvSpPr>
-        <p:spPr>
-          <a:xfrm>
-            <a:off x="311700" y="445025"/>
-            <a:ext cx="8520600" cy="572700"/>
-          </a:xfrm>
-          <a:prstGeom prst="rect">
-            <a:avLst/>
-          </a:prstGeom>
-        </p:spPr>
-        <p:txBody>
-          <a:bodyPr spcFirstLastPara="1" wrap="square" lIns="91425" tIns="91425" rIns="91425" bIns="91425" anchor="t" anchorCtr="0">
-            <a:noAutofit/>
-          </a:bodyPr>
-          <a:lstStyle/>
-          <a:p>
-            <a:pPr marL="0" lvl="0" indent="0" algn="l" rtl="0">
-              <a:spcBef>
-                <a:spcPts val="0"/>
-              </a:spcBef>
-              <a:spcAft>
-                <a:spcPts val="0"/>
-              </a:spcAft>
-              <a:buNone/>
-            </a:pPr>
-            <a:r>
-              <a:rPr lang="en-GB"/>
-              <a:t>SOLID - Single Responsibility Principle</a:t>
-            </a:r>
-            <a:endParaRPr/>
-          </a:p>
-        </p:txBody>
-      </p:sp>
-      <p:sp>
-        <p:nvSpPr>
-          <p:cNvPr id="105" name="Google Shape;105;p21"/>
-          <p:cNvSpPr txBox="1">
-            <a:spLocks noGrp="1"/>
-          </p:cNvSpPr>
-          <p:nvPr>
-            <p:ph type="body" idx="1"/>
-          </p:nvPr>
-        </p:nvSpPr>
-        <p:spPr>
-          <a:xfrm>
-            <a:off x="311700" y="1152475"/>
-            <a:ext cx="2942100" cy="3416400"/>
-          </a:xfrm>
-          <a:prstGeom prst="rect">
-            <a:avLst/>
-          </a:prstGeom>
-        </p:spPr>
-        <p:txBody>
-          <a:bodyPr spcFirstLastPara="1" wrap="square" lIns="91425" tIns="91425" rIns="91425" bIns="91425" anchor="t" anchorCtr="0">
-            <a:noAutofit/>
-          </a:bodyPr>
-          <a:lstStyle/>
-          <a:p>
-            <a:pPr marL="457200" lvl="0" indent="-342900" algn="l" rtl="0">
-              <a:spcBef>
-                <a:spcPts val="0"/>
-              </a:spcBef>
-              <a:spcAft>
-                <a:spcPts val="0"/>
-              </a:spcAft>
-              <a:buSzPts val="1800"/>
-              <a:buChar char="●"/>
-            </a:pPr>
-            <a:r>
-              <a:rPr lang="en-US" dirty="0"/>
-              <a:t>Separation of responsibilities</a:t>
-            </a:r>
-            <a:endParaRPr dirty="0"/>
-          </a:p>
-          <a:p>
-            <a:pPr marL="0" lvl="0" indent="0" algn="l" rtl="0">
-              <a:spcBef>
-                <a:spcPts val="1600"/>
-              </a:spcBef>
-              <a:spcAft>
-                <a:spcPts val="0"/>
-              </a:spcAft>
-              <a:buNone/>
-            </a:pPr>
-            <a:endParaRPr dirty="0"/>
-          </a:p>
-          <a:p>
-            <a:pPr marL="0" lvl="0" indent="0" algn="l" rtl="0">
-              <a:spcBef>
-                <a:spcPts val="1600"/>
-              </a:spcBef>
-              <a:spcAft>
-                <a:spcPts val="1600"/>
-              </a:spcAft>
-              <a:buNone/>
-            </a:pPr>
-            <a:endParaRPr dirty="0"/>
-          </a:p>
-        </p:txBody>
-      </p:sp>
-      <p:pic>
-        <p:nvPicPr>
-          <p:cNvPr id="106" name="Google Shape;106;p21"/>
-          <p:cNvPicPr preferRelativeResize="0"/>
-          <p:nvPr/>
-        </p:nvPicPr>
-        <p:blipFill>
-          <a:blip r:embed="rId3">
-            <a:alphaModFix/>
-          </a:blip>
-          <a:stretch>
-            <a:fillRect/>
-          </a:stretch>
-        </p:blipFill>
-        <p:spPr>
-          <a:xfrm>
-            <a:off x="4306063" y="1152475"/>
-            <a:ext cx="2714625" cy="3733800"/>
-          </a:xfrm>
-          <a:prstGeom prst="rect">
-            <a:avLst/>
-          </a:prstGeom>
-          <a:noFill/>
-          <a:ln>
-            <a:noFill/>
-          </a:ln>
-        </p:spPr>
-      </p:pic>
-    </p:spTree>
-  </p:cSld>
-  <p:clrMapOvr>
-    <a:masterClrMapping/>
-  </p:clrMapOvr>
-</p:sld>
-</file>
-
-<file path=ppt/slides/slide12.xml><?xml version="1.0" encoding="utf-8"?>
-<p:sld xmlns:a="http://schemas.openxmlformats.org/drawingml/2006/main" xmlns:r="http://schemas.openxmlformats.org/officeDocument/2006/relationships" xmlns:p="http://schemas.openxmlformats.org/presentationml/2006/main">
-  <p:cSld>
-    <p:spTree>
-      <p:nvGrpSpPr>
-        <p:cNvPr id="1" name="Shape 110"/>
-        <p:cNvGrpSpPr/>
-        <p:nvPr/>
-      </p:nvGrpSpPr>
-      <p:grpSpPr>
-        <a:xfrm>
-          <a:off x="0" y="0"/>
-          <a:ext cx="0" cy="0"/>
-          <a:chOff x="0" y="0"/>
-          <a:chExt cx="0" cy="0"/>
-        </a:xfrm>
-      </p:grpSpPr>
-      <p:sp>
-        <p:nvSpPr>
-          <p:cNvPr id="111" name="Google Shape;111;p22"/>
-          <p:cNvSpPr txBox="1">
-            <a:spLocks noGrp="1"/>
-          </p:cNvSpPr>
-          <p:nvPr>
-            <p:ph type="title"/>
-          </p:nvPr>
-        </p:nvSpPr>
-        <p:spPr>
-          <a:xfrm>
-            <a:off x="311700" y="445025"/>
-            <a:ext cx="8520600" cy="572700"/>
-          </a:xfrm>
-          <a:prstGeom prst="rect">
-            <a:avLst/>
-          </a:prstGeom>
-        </p:spPr>
-        <p:txBody>
-          <a:bodyPr spcFirstLastPara="1" wrap="square" lIns="91425" tIns="91425" rIns="91425" bIns="91425" anchor="t" anchorCtr="0">
-            <a:noAutofit/>
-          </a:bodyPr>
-          <a:lstStyle/>
-          <a:p>
-            <a:pPr marL="0" lvl="0" indent="0" algn="l" rtl="0">
-              <a:spcBef>
-                <a:spcPts val="0"/>
-              </a:spcBef>
-              <a:spcAft>
-                <a:spcPts val="0"/>
-              </a:spcAft>
-              <a:buNone/>
-            </a:pPr>
-            <a:r>
-              <a:rPr lang="en-GB"/>
-              <a:t>SOLID - Open Closed Principle</a:t>
-            </a:r>
-            <a:endParaRPr/>
-          </a:p>
-        </p:txBody>
-      </p:sp>
-      <p:sp>
-        <p:nvSpPr>
-          <p:cNvPr id="112" name="Google Shape;112;p22"/>
-          <p:cNvSpPr txBox="1">
-            <a:spLocks noGrp="1"/>
-          </p:cNvSpPr>
-          <p:nvPr>
-            <p:ph type="body" idx="1"/>
-          </p:nvPr>
-        </p:nvSpPr>
-        <p:spPr>
-          <a:xfrm>
-            <a:off x="311700" y="1152475"/>
-            <a:ext cx="8520600" cy="3416400"/>
-          </a:xfrm>
-          <a:prstGeom prst="rect">
-            <a:avLst/>
-          </a:prstGeom>
-        </p:spPr>
-        <p:txBody>
-          <a:bodyPr spcFirstLastPara="1" wrap="square" lIns="91425" tIns="91425" rIns="91425" bIns="91425" anchor="t" anchorCtr="0">
-            <a:noAutofit/>
-          </a:bodyPr>
-          <a:lstStyle/>
-          <a:p>
-            <a:pPr marL="457200" lvl="0" indent="-342900" algn="l" rtl="0">
-              <a:spcBef>
-                <a:spcPts val="0"/>
-              </a:spcBef>
-              <a:spcAft>
-                <a:spcPts val="0"/>
-              </a:spcAft>
-              <a:buSzPts val="1800"/>
-              <a:buChar char="●"/>
-            </a:pPr>
-            <a:r>
-              <a:rPr lang="en-GB"/>
-              <a:t>Open for extension</a:t>
-            </a:r>
-            <a:endParaRPr/>
-          </a:p>
-          <a:p>
-            <a:pPr marL="457200" lvl="0" indent="-342900" algn="l" rtl="0">
-              <a:spcBef>
-                <a:spcPts val="0"/>
-              </a:spcBef>
-              <a:spcAft>
-                <a:spcPts val="0"/>
-              </a:spcAft>
-              <a:buSzPts val="1800"/>
-              <a:buChar char="●"/>
-            </a:pPr>
-            <a:r>
-              <a:rPr lang="en-GB"/>
-              <a:t>Closed for modification</a:t>
-            </a:r>
-            <a:endParaRPr/>
-          </a:p>
-        </p:txBody>
-      </p:sp>
-    </p:spTree>
-  </p:cSld>
-  <p:clrMapOvr>
-    <a:masterClrMapping/>
-  </p:clrMapOvr>
-</p:sld>
-</file>
-
-<file path=ppt/slides/slide13.xml><?xml version="1.0" encoding="utf-8"?>
-<p:sld xmlns:a="http://schemas.openxmlformats.org/drawingml/2006/main" xmlns:r="http://schemas.openxmlformats.org/officeDocument/2006/relationships" xmlns:p="http://schemas.openxmlformats.org/presentationml/2006/main">
-  <p:cSld>
-    <p:spTree>
-      <p:nvGrpSpPr>
-        <p:cNvPr id="1" name="Shape 116"/>
-        <p:cNvGrpSpPr/>
-        <p:nvPr/>
-      </p:nvGrpSpPr>
-      <p:grpSpPr>
-        <a:xfrm>
-          <a:off x="0" y="0"/>
-          <a:ext cx="0" cy="0"/>
-          <a:chOff x="0" y="0"/>
-          <a:chExt cx="0" cy="0"/>
-        </a:xfrm>
-      </p:grpSpPr>
-      <p:sp>
-        <p:nvSpPr>
-          <p:cNvPr id="117" name="Google Shape;117;p23"/>
-          <p:cNvSpPr txBox="1">
-            <a:spLocks noGrp="1"/>
-          </p:cNvSpPr>
-          <p:nvPr>
-            <p:ph type="title"/>
-          </p:nvPr>
-        </p:nvSpPr>
-        <p:spPr>
-          <a:xfrm>
-            <a:off x="311700" y="445025"/>
-            <a:ext cx="8520600" cy="572700"/>
-          </a:xfrm>
-          <a:prstGeom prst="rect">
-            <a:avLst/>
-          </a:prstGeom>
-        </p:spPr>
-        <p:txBody>
-          <a:bodyPr spcFirstLastPara="1" wrap="square" lIns="91425" tIns="91425" rIns="91425" bIns="91425" anchor="t" anchorCtr="0">
-            <a:noAutofit/>
-          </a:bodyPr>
-          <a:lstStyle/>
-          <a:p>
-            <a:pPr marL="0" lvl="0" indent="0" algn="l" rtl="0">
-              <a:spcBef>
-                <a:spcPts val="0"/>
-              </a:spcBef>
-              <a:spcAft>
-                <a:spcPts val="0"/>
-              </a:spcAft>
-              <a:buNone/>
-            </a:pPr>
-            <a:r>
-              <a:rPr lang="en-GB"/>
-              <a:t>SOLID - Liskov Substitution Principle</a:t>
-            </a:r>
-            <a:endParaRPr/>
-          </a:p>
-        </p:txBody>
-      </p:sp>
-      <p:sp>
-        <p:nvSpPr>
-          <p:cNvPr id="118" name="Google Shape;118;p23"/>
-          <p:cNvSpPr txBox="1">
-            <a:spLocks noGrp="1"/>
-          </p:cNvSpPr>
-          <p:nvPr>
-            <p:ph type="body" idx="1"/>
-          </p:nvPr>
-        </p:nvSpPr>
-        <p:spPr>
-          <a:xfrm>
-            <a:off x="311700" y="1152475"/>
-            <a:ext cx="8520600" cy="3416400"/>
-          </a:xfrm>
-          <a:prstGeom prst="rect">
-            <a:avLst/>
-          </a:prstGeom>
-        </p:spPr>
-        <p:txBody>
-          <a:bodyPr spcFirstLastPara="1" wrap="square" lIns="91425" tIns="91425" rIns="91425" bIns="91425" anchor="t" anchorCtr="0">
-            <a:noAutofit/>
-          </a:bodyPr>
-          <a:lstStyle/>
-          <a:p>
-            <a:pPr marL="457200" lvl="0" indent="-342900" algn="l" rtl="0">
-              <a:spcBef>
-                <a:spcPts val="0"/>
-              </a:spcBef>
-              <a:spcAft>
-                <a:spcPts val="0"/>
-              </a:spcAft>
-              <a:buSzPts val="1800"/>
-              <a:buChar char="●"/>
-            </a:pPr>
-            <a:r>
-              <a:rPr lang="en-US" dirty="0"/>
-              <a:t>A class should not alter the behavior of the superclass</a:t>
-            </a:r>
-          </a:p>
-          <a:p>
-            <a:pPr marL="457200" lvl="0" indent="-342900" algn="l" rtl="0">
-              <a:spcBef>
-                <a:spcPts val="0"/>
-              </a:spcBef>
-              <a:spcAft>
-                <a:spcPts val="0"/>
-              </a:spcAft>
-              <a:buSzPts val="1800"/>
-              <a:buChar char="●"/>
-            </a:pPr>
-            <a:r>
-              <a:rPr lang="en-US" dirty="0"/>
-              <a:t>Example</a:t>
-            </a:r>
-            <a:endParaRPr dirty="0"/>
-          </a:p>
-        </p:txBody>
-      </p:sp>
-    </p:spTree>
-  </p:cSld>
-  <p:clrMapOvr>
-    <a:masterClrMapping/>
-  </p:clrMapOvr>
-</p:sld>
-</file>
-
-<file path=ppt/slides/slide14.xml><?xml version="1.0" encoding="utf-8"?>
-<p:sld xmlns:a="http://schemas.openxmlformats.org/drawingml/2006/main" xmlns:r="http://schemas.openxmlformats.org/officeDocument/2006/relationships" xmlns:p="http://schemas.openxmlformats.org/presentationml/2006/main">
-  <p:cSld>
-    <p:spTree>
-      <p:nvGrpSpPr>
-        <p:cNvPr id="1" name="Shape 122"/>
-        <p:cNvGrpSpPr/>
-        <p:nvPr/>
-      </p:nvGrpSpPr>
-      <p:grpSpPr>
-        <a:xfrm>
-          <a:off x="0" y="0"/>
-          <a:ext cx="0" cy="0"/>
-          <a:chOff x="0" y="0"/>
-          <a:chExt cx="0" cy="0"/>
-        </a:xfrm>
-      </p:grpSpPr>
-      <p:sp>
-        <p:nvSpPr>
-          <p:cNvPr id="123" name="Google Shape;123;p24"/>
-          <p:cNvSpPr txBox="1">
-            <a:spLocks noGrp="1"/>
-          </p:cNvSpPr>
-          <p:nvPr>
-            <p:ph type="title"/>
-          </p:nvPr>
-        </p:nvSpPr>
-        <p:spPr>
-          <a:xfrm>
-            <a:off x="311700" y="445025"/>
-            <a:ext cx="8520600" cy="572700"/>
-          </a:xfrm>
-          <a:prstGeom prst="rect">
-            <a:avLst/>
-          </a:prstGeom>
-        </p:spPr>
-        <p:txBody>
-          <a:bodyPr spcFirstLastPara="1" wrap="square" lIns="91425" tIns="91425" rIns="91425" bIns="91425" anchor="t" anchorCtr="0">
-            <a:noAutofit/>
-          </a:bodyPr>
-          <a:lstStyle/>
-          <a:p>
-            <a:pPr marL="0" lvl="0" indent="0" algn="l" rtl="0">
-              <a:spcBef>
-                <a:spcPts val="0"/>
-              </a:spcBef>
-              <a:spcAft>
-                <a:spcPts val="0"/>
-              </a:spcAft>
-              <a:buNone/>
-            </a:pPr>
-            <a:r>
-              <a:rPr lang="en-GB"/>
-              <a:t>SOLID - Interface Segregation Principle</a:t>
-            </a:r>
-            <a:endParaRPr/>
-          </a:p>
-        </p:txBody>
-      </p:sp>
-      <p:sp>
-        <p:nvSpPr>
-          <p:cNvPr id="124" name="Google Shape;124;p24"/>
-          <p:cNvSpPr txBox="1">
-            <a:spLocks noGrp="1"/>
-          </p:cNvSpPr>
-          <p:nvPr>
-            <p:ph type="body" idx="1"/>
-          </p:nvPr>
-        </p:nvSpPr>
-        <p:spPr>
-          <a:xfrm>
-            <a:off x="311700" y="1152475"/>
-            <a:ext cx="8520600" cy="3416400"/>
-          </a:xfrm>
-          <a:prstGeom prst="rect">
-            <a:avLst/>
-          </a:prstGeom>
-        </p:spPr>
-        <p:txBody>
-          <a:bodyPr spcFirstLastPara="1" wrap="square" lIns="91425" tIns="91425" rIns="91425" bIns="91425" anchor="t" anchorCtr="0">
-            <a:noAutofit/>
-          </a:bodyPr>
-          <a:lstStyle/>
-          <a:p>
-            <a:pPr marL="457200" lvl="0" indent="-342900" algn="l" rtl="0">
-              <a:spcBef>
-                <a:spcPts val="0"/>
-              </a:spcBef>
-              <a:spcAft>
-                <a:spcPts val="0"/>
-              </a:spcAft>
-              <a:buSzPts val="1800"/>
-              <a:buChar char="●"/>
-            </a:pPr>
-            <a:r>
-              <a:rPr lang="en-US" dirty="0"/>
-              <a:t>Clients of interfaces should only use the methods that they use i.e. do not create very big interfaces; and think about the interfaces from the consumer perspective</a:t>
-            </a:r>
-            <a:endParaRPr dirty="0"/>
-          </a:p>
-        </p:txBody>
-      </p:sp>
-      <p:pic>
-        <p:nvPicPr>
-          <p:cNvPr id="125" name="Google Shape;125;p24"/>
-          <p:cNvPicPr preferRelativeResize="0"/>
-          <p:nvPr/>
-        </p:nvPicPr>
-        <p:blipFill>
-          <a:blip r:embed="rId3">
-            <a:alphaModFix/>
-          </a:blip>
-          <a:stretch>
-            <a:fillRect/>
-          </a:stretch>
-        </p:blipFill>
-        <p:spPr>
-          <a:xfrm>
-            <a:off x="568015" y="2191352"/>
-            <a:ext cx="8007976" cy="1561150"/>
-          </a:xfrm>
-          <a:prstGeom prst="rect">
-            <a:avLst/>
-          </a:prstGeom>
-          <a:noFill/>
-          <a:ln>
-            <a:noFill/>
-          </a:ln>
-        </p:spPr>
-      </p:pic>
-    </p:spTree>
-  </p:cSld>
-  <p:clrMapOvr>
-    <a:masterClrMapping/>
-  </p:clrMapOvr>
-</p:sld>
-</file>
-
-<file path=ppt/slides/slide15.xml><?xml version="1.0" encoding="utf-8"?>
-<p:sld xmlns:a="http://schemas.openxmlformats.org/drawingml/2006/main" xmlns:r="http://schemas.openxmlformats.org/officeDocument/2006/relationships" xmlns:p="http://schemas.openxmlformats.org/presentationml/2006/main">
-  <p:cSld>
-    <p:spTree>
-      <p:nvGrpSpPr>
-        <p:cNvPr id="1" name="Shape 129"/>
-        <p:cNvGrpSpPr/>
-        <p:nvPr/>
-      </p:nvGrpSpPr>
-      <p:grpSpPr>
-        <a:xfrm>
-          <a:off x="0" y="0"/>
-          <a:ext cx="0" cy="0"/>
-          <a:chOff x="0" y="0"/>
-          <a:chExt cx="0" cy="0"/>
-        </a:xfrm>
-      </p:grpSpPr>
-      <p:sp>
-        <p:nvSpPr>
-          <p:cNvPr id="130" name="Google Shape;130;p25"/>
-          <p:cNvSpPr txBox="1">
-            <a:spLocks noGrp="1"/>
-          </p:cNvSpPr>
-          <p:nvPr>
-            <p:ph type="title"/>
-          </p:nvPr>
-        </p:nvSpPr>
-        <p:spPr>
-          <a:xfrm>
-            <a:off x="311700" y="445025"/>
-            <a:ext cx="8520600" cy="572700"/>
-          </a:xfrm>
-          <a:prstGeom prst="rect">
-            <a:avLst/>
-          </a:prstGeom>
-        </p:spPr>
-        <p:txBody>
-          <a:bodyPr spcFirstLastPara="1" wrap="square" lIns="91425" tIns="91425" rIns="91425" bIns="91425" anchor="t" anchorCtr="0">
-            <a:noAutofit/>
-          </a:bodyPr>
-          <a:lstStyle/>
-          <a:p>
-            <a:pPr marL="0" lvl="0" indent="0" algn="l" rtl="0">
-              <a:spcBef>
-                <a:spcPts val="0"/>
-              </a:spcBef>
-              <a:spcAft>
-                <a:spcPts val="0"/>
-              </a:spcAft>
-              <a:buNone/>
-            </a:pPr>
-            <a:r>
-              <a:rPr lang="en-GB"/>
-              <a:t>SOLID - Interface Segregation Principle</a:t>
-            </a:r>
-            <a:endParaRPr/>
-          </a:p>
-        </p:txBody>
-      </p:sp>
-      <p:sp>
-        <p:nvSpPr>
-          <p:cNvPr id="131" name="Google Shape;131;p25"/>
-          <p:cNvSpPr txBox="1">
-            <a:spLocks noGrp="1"/>
-          </p:cNvSpPr>
-          <p:nvPr>
-            <p:ph type="body" idx="1"/>
-          </p:nvPr>
-        </p:nvSpPr>
-        <p:spPr>
-          <a:xfrm>
-            <a:off x="311700" y="1152475"/>
-            <a:ext cx="8520600" cy="3416400"/>
-          </a:xfrm>
-          <a:prstGeom prst="rect">
-            <a:avLst/>
-          </a:prstGeom>
-        </p:spPr>
-        <p:txBody>
-          <a:bodyPr spcFirstLastPara="1" wrap="square" lIns="91425" tIns="91425" rIns="91425" bIns="91425" anchor="t" anchorCtr="0">
-            <a:noAutofit/>
-          </a:bodyPr>
-          <a:lstStyle/>
-          <a:p>
-            <a:pPr marL="114300" lvl="0" indent="0" algn="l" rtl="0">
-              <a:spcBef>
-                <a:spcPts val="0"/>
-              </a:spcBef>
-              <a:spcAft>
-                <a:spcPts val="0"/>
-              </a:spcAft>
-              <a:buSzPts val="1800"/>
-              <a:buNone/>
-            </a:pPr>
-            <a:endParaRPr dirty="0"/>
-          </a:p>
-        </p:txBody>
-      </p:sp>
-      <p:pic>
-        <p:nvPicPr>
-          <p:cNvPr id="132" name="Google Shape;132;p25"/>
-          <p:cNvPicPr preferRelativeResize="0"/>
-          <p:nvPr/>
-        </p:nvPicPr>
-        <p:blipFill>
-          <a:blip r:embed="rId3">
-            <a:alphaModFix/>
-          </a:blip>
-          <a:stretch>
-            <a:fillRect/>
-          </a:stretch>
-        </p:blipFill>
-        <p:spPr>
-          <a:xfrm>
-            <a:off x="459589" y="2210127"/>
-            <a:ext cx="8224825" cy="1514225"/>
-          </a:xfrm>
-          <a:prstGeom prst="rect">
-            <a:avLst/>
-          </a:prstGeom>
-          <a:noFill/>
-          <a:ln>
-            <a:noFill/>
-          </a:ln>
-        </p:spPr>
-      </p:pic>
-    </p:spTree>
-  </p:cSld>
-  <p:clrMapOvr>
-    <a:masterClrMapping/>
-  </p:clrMapOvr>
-</p:sld>
-</file>
-
-<file path=ppt/slides/slide16.xml><?xml version="1.0" encoding="utf-8"?>
-<p:sld xmlns:a="http://schemas.openxmlformats.org/drawingml/2006/main" xmlns:r="http://schemas.openxmlformats.org/officeDocument/2006/relationships" xmlns:p="http://schemas.openxmlformats.org/presentationml/2006/main">
-  <p:cSld>
-    <p:spTree>
-      <p:nvGrpSpPr>
-        <p:cNvPr id="1" name="Shape 136"/>
-        <p:cNvGrpSpPr/>
-        <p:nvPr/>
-      </p:nvGrpSpPr>
-      <p:grpSpPr>
-        <a:xfrm>
-          <a:off x="0" y="0"/>
-          <a:ext cx="0" cy="0"/>
-          <a:chOff x="0" y="0"/>
-          <a:chExt cx="0" cy="0"/>
-        </a:xfrm>
-      </p:grpSpPr>
-      <p:sp>
-        <p:nvSpPr>
-          <p:cNvPr id="137" name="Google Shape;137;p26"/>
-          <p:cNvSpPr txBox="1">
-            <a:spLocks noGrp="1"/>
-          </p:cNvSpPr>
-          <p:nvPr>
-            <p:ph type="title"/>
-          </p:nvPr>
-        </p:nvSpPr>
-        <p:spPr>
-          <a:xfrm>
-            <a:off x="311700" y="454400"/>
-            <a:ext cx="8520600" cy="572700"/>
-          </a:xfrm>
-          <a:prstGeom prst="rect">
-            <a:avLst/>
-          </a:prstGeom>
-        </p:spPr>
-        <p:txBody>
-          <a:bodyPr spcFirstLastPara="1" wrap="square" lIns="91425" tIns="91425" rIns="91425" bIns="91425" anchor="t" anchorCtr="0">
-            <a:noAutofit/>
-          </a:bodyPr>
-          <a:lstStyle/>
-          <a:p>
-            <a:pPr marL="0" lvl="0" indent="0" algn="l" rtl="0">
-              <a:spcBef>
-                <a:spcPts val="0"/>
-              </a:spcBef>
-              <a:spcAft>
-                <a:spcPts val="0"/>
-              </a:spcAft>
-              <a:buNone/>
-            </a:pPr>
-            <a:r>
-              <a:rPr lang="en-GB"/>
-              <a:t>SOLID - Dependency Inversion Principle</a:t>
-            </a:r>
-            <a:endParaRPr/>
-          </a:p>
-        </p:txBody>
-      </p:sp>
-      <p:sp>
-        <p:nvSpPr>
-          <p:cNvPr id="2" name="TextBox 1">
-            <a:extLst>
-              <a:ext uri="{FF2B5EF4-FFF2-40B4-BE49-F238E27FC236}">
-                <a16:creationId xmlns:a16="http://schemas.microsoft.com/office/drawing/2014/main" id="{5FF581D5-A467-49D4-BF5F-0103530E0974}"/>
-              </a:ext>
-            </a:extLst>
-          </p:cNvPr>
-          <p:cNvSpPr txBox="1"/>
-          <p:nvPr/>
-        </p:nvSpPr>
-        <p:spPr>
-          <a:xfrm>
-            <a:off x="635794" y="1607344"/>
-            <a:ext cx="7250906" cy="1384995"/>
-          </a:xfrm>
-          <a:prstGeom prst="rect">
-            <a:avLst/>
-          </a:prstGeom>
-          <a:noFill/>
-        </p:spPr>
-        <p:txBody>
-          <a:bodyPr wrap="square" rtlCol="0">
-            <a:spAutoFit/>
-          </a:bodyPr>
-          <a:lstStyle/>
-          <a:p>
-            <a:r>
-              <a:rPr lang="en-US" dirty="0"/>
-              <a:t>Based on this idea, Robert C. Martin’s definition of the Dependency Inversion Principle consists of two parts:</a:t>
-            </a:r>
-          </a:p>
-          <a:p>
-            <a:r>
-              <a:rPr lang="en-US" dirty="0"/>
-              <a:t>High-level modules should not depend on low-level modules. Both should depend on abstractions.</a:t>
-            </a:r>
-          </a:p>
-          <a:p>
-            <a:r>
-              <a:rPr lang="en-US" dirty="0"/>
-              <a:t>Abstractions should not depend on details. Details should depend on abstractions.</a:t>
-            </a:r>
-          </a:p>
-          <a:p>
-            <a:endParaRPr lang="en-US" dirty="0"/>
-          </a:p>
-        </p:txBody>
-      </p:sp>
-    </p:spTree>
-  </p:cSld>
-  <p:clrMapOvr>
-    <a:masterClrMapping/>
-  </p:clrMapOvr>
-</p:sld>
-</file>
-
-<file path=ppt/slides/slide17.xml><?xml version="1.0" encoding="utf-8"?>
 <p:sld xmlns:a="http://schemas.openxmlformats.org/drawingml/2006/main" xmlns:r="http://schemas.openxmlformats.org/officeDocument/2006/relationships" xmlns:p="http://schemas.openxmlformats.org/presentationml/2006/main">
   <p:cSld>
     <p:spTree>
@@ -8673,7 +6093,7 @@
           <p:cNvPr id="2" name="Title 1">
             <a:extLst>
               <a:ext uri="{FF2B5EF4-FFF2-40B4-BE49-F238E27FC236}">
-                <a16:creationId xmlns:a16="http://schemas.microsoft.com/office/drawing/2014/main" id="{B6B09174-8F42-4049-8C17-5A30B35C8640}"/>
+                <a16:creationId xmlns:a16="http://schemas.microsoft.com/office/drawing/2014/main" id="{C918B031-B51B-462F-AF58-3080466C3E28}"/>
               </a:ext>
             </a:extLst>
           </p:cNvPr>
@@ -8691,7 +6111,7 @@
           <a:p>
             <a:r>
               <a:rPr lang="en-US" dirty="0"/>
-              <a:t>Favor composition over inheritance</a:t>
+              <a:t>NO COPY PASTE</a:t>
             </a:r>
           </a:p>
         </p:txBody>
@@ -8701,7 +6121,7 @@
           <p:cNvPr id="3" name="Text Placeholder 2">
             <a:extLst>
               <a:ext uri="{FF2B5EF4-FFF2-40B4-BE49-F238E27FC236}">
-                <a16:creationId xmlns:a16="http://schemas.microsoft.com/office/drawing/2014/main" id="{AD4435C8-0560-46F4-980B-D7DD9C665D4C}"/>
+                <a16:creationId xmlns:a16="http://schemas.microsoft.com/office/drawing/2014/main" id="{BD089082-BBE6-4AEE-B146-B8681FDE358D}"/>
               </a:ext>
             </a:extLst>
           </p:cNvPr>
@@ -8719,7 +6139,19 @@
           <a:p>
             <a:r>
               <a:rPr lang="en-US" dirty="0"/>
-              <a:t>Depth (Death) of inheritance</a:t>
+              <a:t>Duplicate code is bad</a:t>
+            </a:r>
+          </a:p>
+          <a:p>
+            <a:r>
+              <a:rPr lang="en-US" dirty="0"/>
+              <a:t>Why?</a:t>
+            </a:r>
+          </a:p>
+          <a:p>
+            <a:r>
+              <a:rPr lang="en-US" dirty="0"/>
+              <a:t>How to avoid it</a:t>
             </a:r>
           </a:p>
         </p:txBody>
@@ -8727,7 +6159,7 @@
     </p:spTree>
     <p:extLst>
       <p:ext uri="{BB962C8B-B14F-4D97-AF65-F5344CB8AC3E}">
-        <p14:creationId xmlns:p14="http://schemas.microsoft.com/office/powerpoint/2010/main" val="974129839"/>
+        <p14:creationId xmlns:p14="http://schemas.microsoft.com/office/powerpoint/2010/main" val="1098860619"/>
       </p:ext>
     </p:extLst>
   </p:cSld>
@@ -8737,12 +6169,12 @@
 </p:sld>
 </file>
 
-<file path=ppt/slides/slide18.xml><?xml version="1.0" encoding="utf-8"?>
+<file path=ppt/slides/slide11.xml><?xml version="1.0" encoding="utf-8"?>
 <p:sld xmlns:a="http://schemas.openxmlformats.org/drawingml/2006/main" xmlns:r="http://schemas.openxmlformats.org/officeDocument/2006/relationships" xmlns:p="http://schemas.openxmlformats.org/presentationml/2006/main">
   <p:cSld>
     <p:spTree>
       <p:nvGrpSpPr>
-        <p:cNvPr id="1" name="Shape 143"/>
+        <p:cNvPr id="1" name=""/>
         <p:cNvGrpSpPr/>
         <p:nvPr/>
       </p:nvGrpSpPr>
@@ -8754,181 +6186,42 @@
           <a:chExt cx="0" cy="0"/>
         </a:xfrm>
       </p:grpSpPr>
-      <p:sp>
-        <p:nvSpPr>
-          <p:cNvPr id="144" name="Google Shape;144;p27"/>
-          <p:cNvSpPr txBox="1">
-            <a:spLocks noGrp="1"/>
-          </p:cNvSpPr>
-          <p:nvPr>
-            <p:ph type="title"/>
-          </p:nvPr>
-        </p:nvSpPr>
+      <p:pic>
+        <p:nvPicPr>
+          <p:cNvPr id="5" name="Picture 4" descr="Graphical user interface, text, application&#10;&#10;Description automatically generated">
+            <a:extLst>
+              <a:ext uri="{FF2B5EF4-FFF2-40B4-BE49-F238E27FC236}">
+                <a16:creationId xmlns:a16="http://schemas.microsoft.com/office/drawing/2014/main" id="{1BCDAB2B-9056-432C-99BB-4F4E59ED2360}"/>
+              </a:ext>
+            </a:extLst>
+          </p:cNvPr>
+          <p:cNvPicPr>
+            <a:picLocks noChangeAspect="1"/>
+          </p:cNvPicPr>
+          <p:nvPr/>
+        </p:nvPicPr>
+        <p:blipFill>
+          <a:blip r:embed="rId2"/>
+          <a:stretch>
+            <a:fillRect/>
+          </a:stretch>
+        </p:blipFill>
         <p:spPr>
           <a:xfrm>
-            <a:off x="311700" y="445025"/>
-            <a:ext cx="8520600" cy="572700"/>
+            <a:off x="715946" y="361758"/>
+            <a:ext cx="7712108" cy="4419983"/>
           </a:xfrm>
           <a:prstGeom prst="rect">
             <a:avLst/>
           </a:prstGeom>
         </p:spPr>
-        <p:txBody>
-          <a:bodyPr spcFirstLastPara="1" wrap="square" lIns="91425" tIns="91425" rIns="91425" bIns="91425" anchor="t" anchorCtr="0">
-            <a:noAutofit/>
-          </a:bodyPr>
-          <a:lstStyle/>
-          <a:p>
-            <a:pPr marL="0" lvl="0" indent="0" algn="l" rtl="0">
-              <a:spcBef>
-                <a:spcPts val="0"/>
-              </a:spcBef>
-              <a:spcAft>
-                <a:spcPts val="0"/>
-              </a:spcAft>
-              <a:buNone/>
-            </a:pPr>
-            <a:r>
-              <a:rPr lang="en-GB" dirty="0"/>
-              <a:t>Data modelling Exercise</a:t>
-            </a:r>
-            <a:endParaRPr dirty="0"/>
-          </a:p>
-        </p:txBody>
-      </p:sp>
-      <p:sp>
-        <p:nvSpPr>
-          <p:cNvPr id="145" name="Google Shape;145;p27"/>
-          <p:cNvSpPr txBox="1">
-            <a:spLocks noGrp="1"/>
-          </p:cNvSpPr>
-          <p:nvPr>
-            <p:ph type="body" idx="1"/>
-          </p:nvPr>
-        </p:nvSpPr>
-        <p:spPr>
-          <a:xfrm>
-            <a:off x="311700" y="1152475"/>
-            <a:ext cx="8520600" cy="3416400"/>
-          </a:xfrm>
-          <a:prstGeom prst="rect">
-            <a:avLst/>
-          </a:prstGeom>
-        </p:spPr>
-        <p:txBody>
-          <a:bodyPr spcFirstLastPara="1" wrap="square" lIns="91425" tIns="91425" rIns="91425" bIns="91425" anchor="t" anchorCtr="0">
-            <a:noAutofit/>
-          </a:bodyPr>
-          <a:lstStyle/>
-          <a:p>
-            <a:pPr marL="0" lvl="0" indent="0" algn="l" rtl="0">
-              <a:spcBef>
-                <a:spcPts val="0"/>
-              </a:spcBef>
-              <a:spcAft>
-                <a:spcPts val="0"/>
-              </a:spcAft>
-              <a:buNone/>
-            </a:pPr>
-            <a:r>
-              <a:rPr lang="en-GB" dirty="0"/>
-              <a:t>A ticketing agency needs to build a model to sell tickets</a:t>
-            </a:r>
-            <a:endParaRPr lang="en-US" dirty="0"/>
-          </a:p>
-          <a:p>
-            <a:pPr marL="457200" lvl="0" indent="-342900" algn="l" rtl="0">
-              <a:spcBef>
-                <a:spcPts val="0"/>
-              </a:spcBef>
-              <a:spcAft>
-                <a:spcPts val="0"/>
-              </a:spcAft>
-              <a:buSzPts val="1800"/>
-              <a:buChar char="●"/>
-            </a:pPr>
-            <a:r>
-              <a:rPr lang="en-GB" dirty="0"/>
-              <a:t>A concert can be held with many bands</a:t>
-            </a:r>
-          </a:p>
-          <a:p>
-            <a:pPr marL="457200" lvl="0" indent="-342900" algn="l" rtl="0">
-              <a:spcBef>
-                <a:spcPts val="0"/>
-              </a:spcBef>
-              <a:spcAft>
-                <a:spcPts val="0"/>
-              </a:spcAft>
-              <a:buSzPts val="1800"/>
-              <a:buChar char="●"/>
-            </a:pPr>
-            <a:r>
-              <a:rPr lang="en-US" dirty="0"/>
-              <a:t>Users can buy tickets to a concert</a:t>
-            </a:r>
-            <a:endParaRPr dirty="0"/>
-          </a:p>
-          <a:p>
-            <a:pPr marL="0" lvl="0" indent="0" algn="l" rtl="0">
-              <a:spcBef>
-                <a:spcPts val="1600"/>
-              </a:spcBef>
-              <a:spcAft>
-                <a:spcPts val="0"/>
-              </a:spcAft>
-              <a:buNone/>
-            </a:pPr>
-            <a:r>
-              <a:rPr lang="en-GB" dirty="0"/>
-              <a:t>TODO:</a:t>
-            </a:r>
-            <a:endParaRPr dirty="0"/>
-          </a:p>
-          <a:p>
-            <a:pPr marL="457200" lvl="0" indent="-342900" algn="l" rtl="0">
-              <a:spcBef>
-                <a:spcPts val="1600"/>
-              </a:spcBef>
-              <a:spcAft>
-                <a:spcPts val="0"/>
-              </a:spcAft>
-              <a:buSzPts val="1800"/>
-              <a:buChar char="●"/>
-            </a:pPr>
-            <a:r>
-              <a:rPr lang="en-US" dirty="0"/>
-              <a:t>Determine entities + relations</a:t>
-            </a:r>
-            <a:endParaRPr dirty="0"/>
-          </a:p>
-          <a:p>
-            <a:pPr marL="0" lvl="0" indent="0" algn="l" rtl="0">
-              <a:spcBef>
-                <a:spcPts val="1600"/>
-              </a:spcBef>
-              <a:spcAft>
-                <a:spcPts val="0"/>
-              </a:spcAft>
-              <a:buNone/>
-            </a:pPr>
-            <a:endParaRPr dirty="0"/>
-          </a:p>
-          <a:p>
-            <a:pPr marL="0" lvl="0" indent="0" algn="l" rtl="0">
-              <a:spcBef>
-                <a:spcPts val="1600"/>
-              </a:spcBef>
-              <a:spcAft>
-                <a:spcPts val="1600"/>
-              </a:spcAft>
-              <a:buNone/>
-            </a:pPr>
-            <a:endParaRPr dirty="0"/>
-          </a:p>
-        </p:txBody>
-      </p:sp>
+      </p:pic>
     </p:spTree>
+    <p:extLst>
+      <p:ext uri="{BB962C8B-B14F-4D97-AF65-F5344CB8AC3E}">
+        <p14:creationId xmlns:p14="http://schemas.microsoft.com/office/powerpoint/2010/main" val="4224729876"/>
+      </p:ext>
+    </p:extLst>
   </p:cSld>
   <p:clrMapOvr>
     <a:masterClrMapping/>
@@ -8936,7 +6229,7 @@
 </p:sld>
 </file>
 
-<file path=ppt/slides/slide19.xml><?xml version="1.0" encoding="utf-8"?>
+<file path=ppt/slides/slide12.xml><?xml version="1.0" encoding="utf-8"?>
 <p:sld xmlns:a="http://schemas.openxmlformats.org/drawingml/2006/main" xmlns:r="http://schemas.openxmlformats.org/officeDocument/2006/relationships" xmlns:p="http://schemas.openxmlformats.org/presentationml/2006/main">
   <p:cSld>
     <p:spTree>
@@ -9059,6 +6352,152 @@
 </p:sld>
 </file>
 
+<file path=ppt/slides/slide13.xml><?xml version="1.0" encoding="utf-8"?>
+<p:sld xmlns:a="http://schemas.openxmlformats.org/drawingml/2006/main" xmlns:r="http://schemas.openxmlformats.org/officeDocument/2006/relationships" xmlns:p="http://schemas.openxmlformats.org/presentationml/2006/main">
+  <p:cSld>
+    <p:spTree>
+      <p:nvGrpSpPr>
+        <p:cNvPr id="1" name=""/>
+        <p:cNvGrpSpPr/>
+        <p:nvPr/>
+      </p:nvGrpSpPr>
+      <p:grpSpPr>
+        <a:xfrm>
+          <a:off x="0" y="0"/>
+          <a:ext cx="0" cy="0"/>
+          <a:chOff x="0" y="0"/>
+          <a:chExt cx="0" cy="0"/>
+        </a:xfrm>
+      </p:grpSpPr>
+      <p:sp>
+        <p:nvSpPr>
+          <p:cNvPr id="2" name="Title 1">
+            <a:extLst>
+              <a:ext uri="{FF2B5EF4-FFF2-40B4-BE49-F238E27FC236}">
+                <a16:creationId xmlns:a16="http://schemas.microsoft.com/office/drawing/2014/main" id="{D9C60645-7044-4F27-BC38-DE789F7E33FF}"/>
+              </a:ext>
+            </a:extLst>
+          </p:cNvPr>
+          <p:cNvSpPr>
+            <a:spLocks noGrp="1"/>
+          </p:cNvSpPr>
+          <p:nvPr>
+            <p:ph type="title"/>
+          </p:nvPr>
+        </p:nvSpPr>
+        <p:spPr/>
+        <p:txBody>
+          <a:bodyPr/>
+          <a:lstStyle/>
+          <a:p>
+            <a:r>
+              <a:rPr lang="en-US" dirty="0"/>
+              <a:t>Data modeling Exercise #2</a:t>
+            </a:r>
+          </a:p>
+        </p:txBody>
+      </p:sp>
+      <p:sp>
+        <p:nvSpPr>
+          <p:cNvPr id="3" name="Text Placeholder 2">
+            <a:extLst>
+              <a:ext uri="{FF2B5EF4-FFF2-40B4-BE49-F238E27FC236}">
+                <a16:creationId xmlns:a16="http://schemas.microsoft.com/office/drawing/2014/main" id="{B5F45146-9B3B-4E8F-8F86-B999F66582CA}"/>
+              </a:ext>
+            </a:extLst>
+          </p:cNvPr>
+          <p:cNvSpPr>
+            <a:spLocks noGrp="1"/>
+          </p:cNvSpPr>
+          <p:nvPr>
+            <p:ph type="body" idx="1"/>
+          </p:nvPr>
+        </p:nvSpPr>
+        <p:spPr/>
+        <p:txBody>
+          <a:bodyPr/>
+          <a:lstStyle/>
+          <a:p>
+            <a:r>
+              <a:rPr lang="en-US" dirty="0"/>
+              <a:t>A bookstore needs to sell books to people. A user can buy multiple books.</a:t>
+            </a:r>
+          </a:p>
+          <a:p>
+            <a:r>
+              <a:rPr lang="en-US" dirty="0"/>
+              <a:t>We need to track the price for a book. How can we do that?</a:t>
+            </a:r>
+          </a:p>
+          <a:p>
+            <a:endParaRPr lang="en-US" dirty="0"/>
+          </a:p>
+          <a:p>
+            <a:pPr marL="114300" indent="0">
+              <a:buNone/>
+            </a:pPr>
+            <a:r>
+              <a:rPr lang="en-US" dirty="0"/>
+              <a:t>TODO:</a:t>
+            </a:r>
+          </a:p>
+          <a:p>
+            <a:pPr marL="114300" indent="0">
+              <a:buNone/>
+            </a:pPr>
+            <a:r>
+              <a:rPr lang="en-US" dirty="0"/>
+              <a:t>Determine relations + build database model (</a:t>
+            </a:r>
+            <a:r>
+              <a:rPr lang="en-US" dirty="0" err="1"/>
+              <a:t>mysql</a:t>
+            </a:r>
+            <a:r>
+              <a:rPr lang="en-US" dirty="0"/>
+              <a:t> / </a:t>
+            </a:r>
+            <a:r>
+              <a:rPr lang="en-US" dirty="0" err="1"/>
+              <a:t>sql</a:t>
+            </a:r>
+            <a:r>
+              <a:rPr lang="en-US" dirty="0"/>
+              <a:t> server)</a:t>
+            </a:r>
+          </a:p>
+          <a:p>
+            <a:pPr marL="114300" indent="0">
+              <a:buNone/>
+            </a:pPr>
+            <a:r>
+              <a:rPr lang="en-US" dirty="0"/>
+              <a:t>Connect from </a:t>
+            </a:r>
+            <a:r>
+              <a:rPr lang="en-US" dirty="0" err="1"/>
+              <a:t>.net</a:t>
+            </a:r>
+            <a:r>
+              <a:rPr lang="en-US" dirty="0"/>
+              <a:t>/ java to this database</a:t>
+            </a:r>
+          </a:p>
+        </p:txBody>
+      </p:sp>
+    </p:spTree>
+    <p:extLst>
+      <p:ext uri="{BB962C8B-B14F-4D97-AF65-F5344CB8AC3E}">
+        <p14:creationId xmlns:p14="http://schemas.microsoft.com/office/powerpoint/2010/main" val="189603891"/>
+      </p:ext>
+    </p:extLst>
+  </p:cSld>
+  <p:clrMapOvr>
+    <a:masterClrMapping/>
+  </p:clrMapOvr>
+</p:sld>
+</file>
+
 <file path=ppt/slides/slide2.xml><?xml version="1.0" encoding="utf-8"?>
 <p:sld xmlns:a="http://schemas.openxmlformats.org/drawingml/2006/main" xmlns:r="http://schemas.openxmlformats.org/officeDocument/2006/relationships" xmlns:p="http://schemas.openxmlformats.org/presentationml/2006/main">
   <p:cSld>
@@ -9154,7 +6593,7 @@
               <a:buChar char="●"/>
             </a:pPr>
             <a:r>
-              <a:rPr lang="en-GB"/>
+              <a:rPr lang="en-GB" dirty="0"/>
               <a:t>Git classroom</a:t>
             </a:r>
           </a:p>
@@ -9171,7 +6610,7 @@
             </a:pPr>
             <a:r>
               <a:rPr lang="en-GB" dirty="0"/>
-              <a:t>OOP - part 2</a:t>
+              <a:t>Clean code, lesson #1</a:t>
             </a:r>
             <a:endParaRPr dirty="0"/>
           </a:p>
@@ -9212,152 +6651,6 @@
         </p:txBody>
       </p:sp>
     </p:spTree>
-  </p:cSld>
-  <p:clrMapOvr>
-    <a:masterClrMapping/>
-  </p:clrMapOvr>
-</p:sld>
-</file>
-
-<file path=ppt/slides/slide20.xml><?xml version="1.0" encoding="utf-8"?>
-<p:sld xmlns:a="http://schemas.openxmlformats.org/drawingml/2006/main" xmlns:r="http://schemas.openxmlformats.org/officeDocument/2006/relationships" xmlns:p="http://schemas.openxmlformats.org/presentationml/2006/main">
-  <p:cSld>
-    <p:spTree>
-      <p:nvGrpSpPr>
-        <p:cNvPr id="1" name=""/>
-        <p:cNvGrpSpPr/>
-        <p:nvPr/>
-      </p:nvGrpSpPr>
-      <p:grpSpPr>
-        <a:xfrm>
-          <a:off x="0" y="0"/>
-          <a:ext cx="0" cy="0"/>
-          <a:chOff x="0" y="0"/>
-          <a:chExt cx="0" cy="0"/>
-        </a:xfrm>
-      </p:grpSpPr>
-      <p:sp>
-        <p:nvSpPr>
-          <p:cNvPr id="2" name="Title 1">
-            <a:extLst>
-              <a:ext uri="{FF2B5EF4-FFF2-40B4-BE49-F238E27FC236}">
-                <a16:creationId xmlns:a16="http://schemas.microsoft.com/office/drawing/2014/main" id="{D9C60645-7044-4F27-BC38-DE789F7E33FF}"/>
-              </a:ext>
-            </a:extLst>
-          </p:cNvPr>
-          <p:cNvSpPr>
-            <a:spLocks noGrp="1"/>
-          </p:cNvSpPr>
-          <p:nvPr>
-            <p:ph type="title"/>
-          </p:nvPr>
-        </p:nvSpPr>
-        <p:spPr/>
-        <p:txBody>
-          <a:bodyPr/>
-          <a:lstStyle/>
-          <a:p>
-            <a:r>
-              <a:rPr lang="en-US" dirty="0"/>
-              <a:t>Data modeling Exercise #2</a:t>
-            </a:r>
-          </a:p>
-        </p:txBody>
-      </p:sp>
-      <p:sp>
-        <p:nvSpPr>
-          <p:cNvPr id="3" name="Text Placeholder 2">
-            <a:extLst>
-              <a:ext uri="{FF2B5EF4-FFF2-40B4-BE49-F238E27FC236}">
-                <a16:creationId xmlns:a16="http://schemas.microsoft.com/office/drawing/2014/main" id="{B5F45146-9B3B-4E8F-8F86-B999F66582CA}"/>
-              </a:ext>
-            </a:extLst>
-          </p:cNvPr>
-          <p:cNvSpPr>
-            <a:spLocks noGrp="1"/>
-          </p:cNvSpPr>
-          <p:nvPr>
-            <p:ph type="body" idx="1"/>
-          </p:nvPr>
-        </p:nvSpPr>
-        <p:spPr/>
-        <p:txBody>
-          <a:bodyPr/>
-          <a:lstStyle/>
-          <a:p>
-            <a:r>
-              <a:rPr lang="en-US" dirty="0"/>
-              <a:t>A bookstore needs to sell books to people. A user can buy multiple books.</a:t>
-            </a:r>
-          </a:p>
-          <a:p>
-            <a:r>
-              <a:rPr lang="en-US" dirty="0"/>
-              <a:t>We need to track the price for a book. How can we do that?</a:t>
-            </a:r>
-          </a:p>
-          <a:p>
-            <a:endParaRPr lang="en-US" dirty="0"/>
-          </a:p>
-          <a:p>
-            <a:pPr marL="114300" indent="0">
-              <a:buNone/>
-            </a:pPr>
-            <a:r>
-              <a:rPr lang="en-US" dirty="0"/>
-              <a:t>TODO:</a:t>
-            </a:r>
-          </a:p>
-          <a:p>
-            <a:pPr marL="114300" indent="0">
-              <a:buNone/>
-            </a:pPr>
-            <a:r>
-              <a:rPr lang="en-US" dirty="0"/>
-              <a:t>Determine relations + build database model (</a:t>
-            </a:r>
-            <a:r>
-              <a:rPr lang="en-US" dirty="0" err="1"/>
-              <a:t>mysql</a:t>
-            </a:r>
-            <a:r>
-              <a:rPr lang="en-US" dirty="0"/>
-              <a:t> / </a:t>
-            </a:r>
-            <a:r>
-              <a:rPr lang="en-US" dirty="0" err="1"/>
-              <a:t>sql</a:t>
-            </a:r>
-            <a:r>
-              <a:rPr lang="en-US" dirty="0"/>
-              <a:t> server)</a:t>
-            </a:r>
-          </a:p>
-          <a:p>
-            <a:pPr marL="114300" indent="0">
-              <a:buNone/>
-            </a:pPr>
-            <a:r>
-              <a:rPr lang="en-US" dirty="0"/>
-              <a:t>Connect from </a:t>
-            </a:r>
-            <a:r>
-              <a:rPr lang="en-US" dirty="0" err="1"/>
-              <a:t>.net</a:t>
-            </a:r>
-            <a:r>
-              <a:rPr lang="en-US" dirty="0"/>
-              <a:t>/ java to this database</a:t>
-            </a:r>
-          </a:p>
-        </p:txBody>
-      </p:sp>
-    </p:spTree>
-    <p:extLst>
-      <p:ext uri="{BB962C8B-B14F-4D97-AF65-F5344CB8AC3E}">
-        <p14:creationId xmlns:p14="http://schemas.microsoft.com/office/powerpoint/2010/main" val="189603891"/>
-      </p:ext>
-    </p:extLst>
   </p:cSld>
   <p:clrMapOvr>
     <a:masterClrMapping/>
@@ -9418,7 +6711,7 @@
             </a:pPr>
             <a:r>
               <a:rPr lang="en-GB" dirty="0"/>
-              <a:t>OOP - part 2</a:t>
+              <a:t>OOP</a:t>
             </a:r>
             <a:endParaRPr dirty="0"/>
           </a:p>
@@ -9616,7 +6909,7 @@
           <p:cNvPr id="2" name="Title 1">
             <a:extLst>
               <a:ext uri="{FF2B5EF4-FFF2-40B4-BE49-F238E27FC236}">
-                <a16:creationId xmlns:a16="http://schemas.microsoft.com/office/drawing/2014/main" id="{21C0A908-F7C3-4698-8FBB-FC5D98E2478C}"/>
+                <a16:creationId xmlns:a16="http://schemas.microsoft.com/office/drawing/2014/main" id="{8905C091-46FB-4CA3-A495-45E68FA9508D}"/>
               </a:ext>
             </a:extLst>
           </p:cNvPr>
@@ -9634,62 +6927,49 @@
           <a:p>
             <a:r>
               <a:rPr lang="en-US" dirty="0"/>
-              <a:t>Architecture Patterns</a:t>
-            </a:r>
+              <a:t>Clean code</a:t>
+            </a:r>
+            <a:br>
+              <a:rPr lang="en-US" dirty="0"/>
+            </a:br>
+            <a:endParaRPr lang="en-US" dirty="0"/>
           </a:p>
         </p:txBody>
       </p:sp>
       <p:pic>
         <p:nvPicPr>
-          <p:cNvPr id="1026" name="Picture 2">
+          <p:cNvPr id="5" name="Picture 4">
             <a:extLst>
               <a:ext uri="{FF2B5EF4-FFF2-40B4-BE49-F238E27FC236}">
-                <a16:creationId xmlns:a16="http://schemas.microsoft.com/office/drawing/2014/main" id="{9252FEFB-FEB1-4A6B-8704-A2C80AF89985}"/>
+                <a16:creationId xmlns:a16="http://schemas.microsoft.com/office/drawing/2014/main" id="{0ED21DCD-4213-4EFA-AFFA-667F6C82AA09}"/>
               </a:ext>
             </a:extLst>
           </p:cNvPr>
           <p:cNvPicPr>
-            <a:picLocks noChangeAspect="1" noChangeArrowheads="1"/>
+            <a:picLocks noChangeAspect="1"/>
           </p:cNvPicPr>
           <p:nvPr/>
         </p:nvPicPr>
         <p:blipFill>
-          <a:blip r:embed="rId2">
-            <a:extLst>
-              <a:ext uri="{28A0092B-C50C-407E-A947-70E740481C1C}">
-                <a14:useLocalDpi xmlns:a14="http://schemas.microsoft.com/office/drawing/2010/main" val="0"/>
-              </a:ext>
-            </a:extLst>
-          </a:blip>
-          <a:srcRect/>
+          <a:blip r:embed="rId2"/>
           <a:stretch>
             <a:fillRect/>
           </a:stretch>
         </p:blipFill>
-        <p:spPr bwMode="auto">
+        <p:spPr>
           <a:xfrm>
-            <a:off x="378619" y="959438"/>
-            <a:ext cx="7529513" cy="4011818"/>
+            <a:off x="1588205" y="1017725"/>
+            <a:ext cx="4755446" cy="3884823"/>
           </a:xfrm>
           <a:prstGeom prst="rect">
             <a:avLst/>
           </a:prstGeom>
-          <a:noFill/>
-          <a:extLst>
-            <a:ext uri="{909E8E84-426E-40DD-AFC4-6F175D3DCCD1}">
-              <a14:hiddenFill xmlns:a14="http://schemas.microsoft.com/office/drawing/2010/main">
-                <a:solidFill>
-                  <a:srgbClr val="FFFFFF"/>
-                </a:solidFill>
-              </a14:hiddenFill>
-            </a:ext>
-          </a:extLst>
         </p:spPr>
       </p:pic>
     </p:spTree>
     <p:extLst>
       <p:ext uri="{BB962C8B-B14F-4D97-AF65-F5344CB8AC3E}">
-        <p14:creationId xmlns:p14="http://schemas.microsoft.com/office/powerpoint/2010/main" val="2256609980"/>
+        <p14:creationId xmlns:p14="http://schemas.microsoft.com/office/powerpoint/2010/main" val="937627836"/>
       </p:ext>
     </p:extLst>
   </p:cSld>
@@ -9704,7 +6984,7 @@
   <p:cSld>
     <p:spTree>
       <p:nvGrpSpPr>
-        <p:cNvPr id="1" name="Shape 71"/>
+        <p:cNvPr id="1" name=""/>
         <p:cNvGrpSpPr/>
         <p:nvPr/>
       </p:nvGrpSpPr>
@@ -9718,89 +6998,164 @@
       </p:grpSpPr>
       <p:sp>
         <p:nvSpPr>
-          <p:cNvPr id="72" name="Google Shape;72;p16"/>
-          <p:cNvSpPr txBox="1">
+          <p:cNvPr id="2" name="Title 1">
+            <a:extLst>
+              <a:ext uri="{FF2B5EF4-FFF2-40B4-BE49-F238E27FC236}">
+                <a16:creationId xmlns:a16="http://schemas.microsoft.com/office/drawing/2014/main" id="{DC18D1D0-15B2-4596-B703-F77BA4CF9373}"/>
+              </a:ext>
+            </a:extLst>
+          </p:cNvPr>
+          <p:cNvSpPr>
             <a:spLocks noGrp="1"/>
           </p:cNvSpPr>
           <p:nvPr>
             <p:ph type="title"/>
           </p:nvPr>
         </p:nvSpPr>
-        <p:spPr>
-          <a:xfrm>
-            <a:off x="311700" y="445025"/>
-            <a:ext cx="8520600" cy="572700"/>
-          </a:xfrm>
-          <a:prstGeom prst="rect">
-            <a:avLst/>
-          </a:prstGeom>
-        </p:spPr>
+        <p:spPr/>
         <p:txBody>
-          <a:bodyPr spcFirstLastPara="1" wrap="square" lIns="91425" tIns="91425" rIns="91425" bIns="91425" anchor="t" anchorCtr="0">
-            <a:noAutofit/>
-          </a:bodyPr>
+          <a:bodyPr/>
           <a:lstStyle/>
           <a:p>
-            <a:pPr marL="0" lvl="0" indent="0" algn="l" rtl="0">
-              <a:spcBef>
-                <a:spcPts val="0"/>
-              </a:spcBef>
-              <a:spcAft>
-                <a:spcPts val="0"/>
-              </a:spcAft>
-              <a:buNone/>
-            </a:pPr>
-            <a:r>
-              <a:rPr lang="en-GB"/>
-              <a:t>SOLID Design Principles</a:t>
-            </a:r>
-            <a:endParaRPr/>
+            <a:r>
+              <a:rPr lang="en-US" dirty="0"/>
+              <a:t>Lesson #1: </a:t>
+            </a:r>
+            <a:r>
+              <a:rPr lang="en-US" dirty="0" err="1"/>
+              <a:t>Namings</a:t>
+            </a:r>
+            <a:br>
+              <a:rPr lang="en-US" dirty="0"/>
+            </a:br>
+            <a:endParaRPr lang="en-US" dirty="0"/>
           </a:p>
         </p:txBody>
       </p:sp>
       <p:sp>
         <p:nvSpPr>
-          <p:cNvPr id="73" name="Google Shape;73;p16"/>
-          <p:cNvSpPr txBox="1">
+          <p:cNvPr id="3" name="Text Placeholder 2">
+            <a:extLst>
+              <a:ext uri="{FF2B5EF4-FFF2-40B4-BE49-F238E27FC236}">
+                <a16:creationId xmlns:a16="http://schemas.microsoft.com/office/drawing/2014/main" id="{F8C800CC-C3AD-4DF2-9A67-6A05E3B5F8B8}"/>
+              </a:ext>
+            </a:extLst>
+          </p:cNvPr>
+          <p:cNvSpPr>
             <a:spLocks noGrp="1"/>
           </p:cNvSpPr>
           <p:nvPr>
             <p:ph type="body" idx="1"/>
           </p:nvPr>
         </p:nvSpPr>
-        <p:spPr>
-          <a:xfrm>
-            <a:off x="311700" y="1152475"/>
-            <a:ext cx="8520600" cy="3416400"/>
-          </a:xfrm>
-          <a:prstGeom prst="rect">
-            <a:avLst/>
-          </a:prstGeom>
-        </p:spPr>
+        <p:spPr/>
         <p:txBody>
-          <a:bodyPr spcFirstLastPara="1" wrap="square" lIns="91425" tIns="91425" rIns="91425" bIns="91425" anchor="t" anchorCtr="0">
-            <a:noAutofit/>
-          </a:bodyPr>
+          <a:bodyPr/>
           <a:lstStyle/>
           <a:p>
-            <a:pPr marL="0" lvl="0" indent="0" algn="l" rtl="0">
-              <a:spcBef>
-                <a:spcPts val="0"/>
-              </a:spcBef>
-              <a:spcAft>
-                <a:spcPts val="1600"/>
-              </a:spcAft>
+            <a:r>
+              <a:rPr lang="en-US" dirty="0"/>
+              <a:t>Use Intention-Revealing Names</a:t>
+            </a:r>
+          </a:p>
+          <a:p>
+            <a:endParaRPr lang="en-US" dirty="0"/>
+          </a:p>
+          <a:p>
+            <a:r>
+              <a:rPr lang="en-US" b="1" dirty="0"/>
+              <a:t>NO</a:t>
+            </a:r>
+            <a:r>
+              <a:rPr lang="en-US" dirty="0"/>
+              <a:t>: int d; // elapsed time in days</a:t>
+            </a:r>
+          </a:p>
+          <a:p>
+            <a:r>
+              <a:rPr lang="en-US" b="1" dirty="0"/>
+              <a:t>YES</a:t>
+            </a:r>
+          </a:p>
+          <a:p>
+            <a:pPr marL="114300" indent="0">
               <a:buNone/>
             </a:pPr>
             <a:r>
-              <a:rPr lang="en-GB" dirty="0"/>
-              <a:t>Why do you need a good design?</a:t>
-            </a:r>
-            <a:endParaRPr dirty="0"/>
+              <a:rPr lang="en-US" dirty="0"/>
+              <a:t>int </a:t>
+            </a:r>
+            <a:r>
+              <a:rPr lang="en-US" dirty="0" err="1"/>
+              <a:t>elapsedTimeInDays</a:t>
+            </a:r>
+            <a:r>
+              <a:rPr lang="en-US" dirty="0"/>
+              <a:t>;</a:t>
+            </a:r>
+          </a:p>
+          <a:p>
+            <a:pPr marL="114300" indent="0">
+              <a:buNone/>
+            </a:pPr>
+            <a:r>
+              <a:rPr lang="en-US" dirty="0"/>
+              <a:t>int </a:t>
+            </a:r>
+            <a:r>
+              <a:rPr lang="en-US" dirty="0" err="1"/>
+              <a:t>daysSinceCreation</a:t>
+            </a:r>
+            <a:r>
+              <a:rPr lang="en-US" dirty="0"/>
+              <a:t>;</a:t>
+            </a:r>
+          </a:p>
+          <a:p>
+            <a:pPr marL="114300" indent="0">
+              <a:buNone/>
+            </a:pPr>
+            <a:r>
+              <a:rPr lang="en-US" dirty="0"/>
+              <a:t>int </a:t>
+            </a:r>
+            <a:r>
+              <a:rPr lang="en-US" dirty="0" err="1"/>
+              <a:t>daysSinceModification</a:t>
+            </a:r>
+            <a:r>
+              <a:rPr lang="en-US" dirty="0"/>
+              <a:t>;</a:t>
+            </a:r>
+          </a:p>
+          <a:p>
+            <a:pPr marL="114300" indent="0">
+              <a:buNone/>
+            </a:pPr>
+            <a:r>
+              <a:rPr lang="en-US" dirty="0"/>
+              <a:t>int </a:t>
+            </a:r>
+            <a:r>
+              <a:rPr lang="en-US" dirty="0" err="1"/>
+              <a:t>fileAgeInDays</a:t>
+            </a:r>
+            <a:r>
+              <a:rPr lang="en-US" dirty="0"/>
+              <a:t>;</a:t>
+            </a:r>
+          </a:p>
+          <a:p>
+            <a:endParaRPr lang="en-US" dirty="0"/>
           </a:p>
         </p:txBody>
       </p:sp>
     </p:spTree>
+    <p:extLst>
+      <p:ext uri="{BB962C8B-B14F-4D97-AF65-F5344CB8AC3E}">
+        <p14:creationId xmlns:p14="http://schemas.microsoft.com/office/powerpoint/2010/main" val="4129761414"/>
+      </p:ext>
+    </p:extLst>
   </p:cSld>
   <p:clrMapOvr>
     <a:masterClrMapping/>
@@ -9830,7 +7185,7 @@
           <p:cNvPr id="2" name="Title 1">
             <a:extLst>
               <a:ext uri="{FF2B5EF4-FFF2-40B4-BE49-F238E27FC236}">
-                <a16:creationId xmlns:a16="http://schemas.microsoft.com/office/drawing/2014/main" id="{A6C39D99-A3B7-422B-B427-6143DCC77CD7}"/>
+                <a16:creationId xmlns:a16="http://schemas.microsoft.com/office/drawing/2014/main" id="{61B888E6-C1A9-4C64-9B5E-1697C28AEA9F}"/>
               </a:ext>
             </a:extLst>
           </p:cNvPr>
@@ -9847,63 +7202,569 @@
           <a:lstStyle/>
           <a:p>
             <a:r>
+              <a:rPr lang="en-US" dirty="0" err="1"/>
+              <a:t>Namings</a:t>
+            </a:r>
+            <a:r>
               <a:rPr lang="en-US" dirty="0"/>
-              <a:t>Change</a:t>
-            </a:r>
+              <a:t> </a:t>
+            </a:r>
+            <a:r>
+              <a:rPr lang="en-US" dirty="0" err="1"/>
+              <a:t>cnt</a:t>
+            </a:r>
+            <a:endParaRPr lang="en-US" dirty="0"/>
           </a:p>
         </p:txBody>
       </p:sp>
-      <p:pic>
-        <p:nvPicPr>
-          <p:cNvPr id="2050" name="Picture 2">
+      <p:sp>
+        <p:nvSpPr>
+          <p:cNvPr id="3" name="Text Placeholder 2">
             <a:extLst>
               <a:ext uri="{FF2B5EF4-FFF2-40B4-BE49-F238E27FC236}">
-                <a16:creationId xmlns:a16="http://schemas.microsoft.com/office/drawing/2014/main" id="{0D3A90E1-C68B-49CC-802B-198CF1451242}"/>
+                <a16:creationId xmlns:a16="http://schemas.microsoft.com/office/drawing/2014/main" id="{7D3F542C-2F29-4F24-B2E3-DB1509E1BB6A}"/>
               </a:ext>
             </a:extLst>
           </p:cNvPr>
-          <p:cNvPicPr>
-            <a:picLocks noChangeAspect="1" noChangeArrowheads="1"/>
-          </p:cNvPicPr>
-          <p:nvPr/>
-        </p:nvPicPr>
-        <p:blipFill>
-          <a:blip r:embed="rId2">
+          <p:cNvSpPr>
+            <a:spLocks noGrp="1"/>
+          </p:cNvSpPr>
+          <p:nvPr>
+            <p:ph type="body" idx="1"/>
+          </p:nvPr>
+        </p:nvSpPr>
+        <p:spPr>
+          <a:xfrm>
+            <a:off x="311700" y="1152475"/>
+            <a:ext cx="4724644" cy="3416400"/>
+          </a:xfrm>
+        </p:spPr>
+        <p:txBody>
+          <a:bodyPr/>
+          <a:lstStyle/>
+          <a:p>
+            <a:pPr marL="114300" indent="0">
+              <a:buNone/>
+            </a:pPr>
+            <a:r>
+              <a:rPr lang="en-US" b="1" dirty="0"/>
+              <a:t>What does this code do?</a:t>
+            </a:r>
+          </a:p>
+          <a:p>
+            <a:pPr marL="114300" indent="0">
+              <a:buNone/>
+            </a:pPr>
+            <a:r>
+              <a:rPr lang="en-US" b="1" dirty="0"/>
+              <a:t>NO</a:t>
+            </a:r>
+          </a:p>
+          <a:p>
+            <a:pPr marL="114300" indent="0">
+              <a:buNone/>
+            </a:pPr>
+            <a:r>
+              <a:rPr lang="en-US" dirty="0"/>
+              <a:t>public List&lt;int[]&gt; </a:t>
+            </a:r>
+            <a:r>
+              <a:rPr lang="en-US" dirty="0" err="1"/>
+              <a:t>getThem</a:t>
+            </a:r>
+            <a:r>
+              <a:rPr lang="en-US" dirty="0"/>
+              <a:t>() {</a:t>
+            </a:r>
+          </a:p>
+          <a:p>
+            <a:r>
+              <a:rPr lang="en-US" dirty="0"/>
+              <a:t>List&lt;int[]&gt; list1 = new </a:t>
+            </a:r>
+            <a:r>
+              <a:rPr lang="en-US" dirty="0" err="1"/>
+              <a:t>ArrayList</a:t>
+            </a:r>
+            <a:r>
+              <a:rPr lang="en-US" dirty="0"/>
+              <a:t>&lt;int[]&gt;();</a:t>
+            </a:r>
+          </a:p>
+          <a:p>
+            <a:r>
+              <a:rPr lang="en-US" dirty="0"/>
+              <a:t>for (int[] x : </a:t>
+            </a:r>
+            <a:r>
+              <a:rPr lang="en-US" dirty="0" err="1"/>
+              <a:t>theList</a:t>
+            </a:r>
+            <a:r>
+              <a:rPr lang="en-US" dirty="0"/>
+              <a:t>)</a:t>
+            </a:r>
+          </a:p>
+          <a:p>
+            <a:r>
+              <a:rPr lang="en-US" dirty="0"/>
+              <a:t>if (x[0] == 4)</a:t>
+            </a:r>
+          </a:p>
+          <a:p>
+            <a:r>
+              <a:rPr lang="en-US" dirty="0"/>
+              <a:t>list1.add(x);</a:t>
+            </a:r>
+          </a:p>
+          <a:p>
+            <a:r>
+              <a:rPr lang="en-US" dirty="0"/>
+              <a:t>return list1;</a:t>
+            </a:r>
+          </a:p>
+          <a:p>
+            <a:r>
+              <a:rPr lang="en-US" dirty="0"/>
+              <a:t>}</a:t>
+            </a:r>
+          </a:p>
+        </p:txBody>
+      </p:sp>
+      <p:sp>
+        <p:nvSpPr>
+          <p:cNvPr id="4" name="Text Placeholder 2">
             <a:extLst>
-              <a:ext uri="{28A0092B-C50C-407E-A947-70E740481C1C}">
-                <a14:useLocalDpi xmlns:a14="http://schemas.microsoft.com/office/drawing/2010/main" val="0"/>
+              <a:ext uri="{FF2B5EF4-FFF2-40B4-BE49-F238E27FC236}">
+                <a16:creationId xmlns:a16="http://schemas.microsoft.com/office/drawing/2014/main" id="{4B28CE41-5EC6-4611-913F-7A6F0556B03E}"/>
               </a:ext>
             </a:extLst>
-          </a:blip>
-          <a:srcRect/>
-          <a:stretch>
-            <a:fillRect/>
-          </a:stretch>
-        </p:blipFill>
-        <p:spPr bwMode="auto">
+          </p:cNvPr>
+          <p:cNvSpPr txBox="1">
+            <a:spLocks/>
+          </p:cNvSpPr>
+          <p:nvPr/>
+        </p:nvSpPr>
+        <p:spPr>
           <a:xfrm>
-            <a:off x="1523207" y="1143401"/>
-            <a:ext cx="5049043" cy="3757212"/>
+            <a:off x="4764638" y="972531"/>
+            <a:ext cx="4724644" cy="3416400"/>
           </a:xfrm>
           <a:prstGeom prst="rect">
             <a:avLst/>
           </a:prstGeom>
           <a:noFill/>
-          <a:extLst>
-            <a:ext uri="{909E8E84-426E-40DD-AFC4-6F175D3DCCD1}">
-              <a14:hiddenFill xmlns:a14="http://schemas.microsoft.com/office/drawing/2010/main">
+          <a:ln>
+            <a:noFill/>
+          </a:ln>
+        </p:spPr>
+        <p:txBody>
+          <a:bodyPr spcFirstLastPara="1" wrap="square" lIns="91425" tIns="91425" rIns="91425" bIns="91425" anchor="t" anchorCtr="0">
+            <a:noAutofit/>
+          </a:bodyPr>
+          <a:lstStyle>
+            <a:defPPr marR="0" lvl="0" algn="l" rtl="0">
+              <a:lnSpc>
+                <a:spcPct val="100000"/>
+              </a:lnSpc>
+              <a:spcBef>
+                <a:spcPts val="0"/>
+              </a:spcBef>
+              <a:spcAft>
+                <a:spcPts val="0"/>
+              </a:spcAft>
+            </a:defPPr>
+            <a:lvl1pPr marL="457200" marR="0" lvl="0" indent="-342900" algn="l" rtl="0">
+              <a:lnSpc>
+                <a:spcPct val="115000"/>
+              </a:lnSpc>
+              <a:spcBef>
+                <a:spcPts val="0"/>
+              </a:spcBef>
+              <a:spcAft>
+                <a:spcPts val="0"/>
+              </a:spcAft>
+              <a:buClr>
+                <a:schemeClr val="dk2"/>
+              </a:buClr>
+              <a:buSzPts val="1800"/>
+              <a:buFont typeface="Arial"/>
+              <a:buChar char="●"/>
+              <a:defRPr sz="1800" b="0" i="0" u="none" strike="noStrike" cap="none">
                 <a:solidFill>
-                  <a:srgbClr val="FFFFFF"/>
+                  <a:schemeClr val="dk2"/>
                 </a:solidFill>
-              </a14:hiddenFill>
-            </a:ext>
-          </a:extLst>
-        </p:spPr>
-      </p:pic>
+                <a:latin typeface="Arial"/>
+                <a:ea typeface="Arial"/>
+                <a:cs typeface="Arial"/>
+                <a:sym typeface="Arial"/>
+              </a:defRPr>
+            </a:lvl1pPr>
+            <a:lvl2pPr marL="914400" marR="0" lvl="1" indent="-317500" algn="l" rtl="0">
+              <a:lnSpc>
+                <a:spcPct val="115000"/>
+              </a:lnSpc>
+              <a:spcBef>
+                <a:spcPts val="1600"/>
+              </a:spcBef>
+              <a:spcAft>
+                <a:spcPts val="0"/>
+              </a:spcAft>
+              <a:buClr>
+                <a:schemeClr val="dk2"/>
+              </a:buClr>
+              <a:buSzPts val="1400"/>
+              <a:buFont typeface="Arial"/>
+              <a:buChar char="○"/>
+              <a:defRPr sz="1400" b="0" i="0" u="none" strike="noStrike" cap="none">
+                <a:solidFill>
+                  <a:schemeClr val="dk2"/>
+                </a:solidFill>
+                <a:latin typeface="Arial"/>
+                <a:ea typeface="Arial"/>
+                <a:cs typeface="Arial"/>
+                <a:sym typeface="Arial"/>
+              </a:defRPr>
+            </a:lvl2pPr>
+            <a:lvl3pPr marL="1371600" marR="0" lvl="2" indent="-317500" algn="l" rtl="0">
+              <a:lnSpc>
+                <a:spcPct val="115000"/>
+              </a:lnSpc>
+              <a:spcBef>
+                <a:spcPts val="1600"/>
+              </a:spcBef>
+              <a:spcAft>
+                <a:spcPts val="0"/>
+              </a:spcAft>
+              <a:buClr>
+                <a:schemeClr val="dk2"/>
+              </a:buClr>
+              <a:buSzPts val="1400"/>
+              <a:buFont typeface="Arial"/>
+              <a:buChar char="■"/>
+              <a:defRPr sz="1400" b="0" i="0" u="none" strike="noStrike" cap="none">
+                <a:solidFill>
+                  <a:schemeClr val="dk2"/>
+                </a:solidFill>
+                <a:latin typeface="Arial"/>
+                <a:ea typeface="Arial"/>
+                <a:cs typeface="Arial"/>
+                <a:sym typeface="Arial"/>
+              </a:defRPr>
+            </a:lvl3pPr>
+            <a:lvl4pPr marL="1828800" marR="0" lvl="3" indent="-317500" algn="l" rtl="0">
+              <a:lnSpc>
+                <a:spcPct val="115000"/>
+              </a:lnSpc>
+              <a:spcBef>
+                <a:spcPts val="1600"/>
+              </a:spcBef>
+              <a:spcAft>
+                <a:spcPts val="0"/>
+              </a:spcAft>
+              <a:buClr>
+                <a:schemeClr val="dk2"/>
+              </a:buClr>
+              <a:buSzPts val="1400"/>
+              <a:buFont typeface="Arial"/>
+              <a:buChar char="●"/>
+              <a:defRPr sz="1400" b="0" i="0" u="none" strike="noStrike" cap="none">
+                <a:solidFill>
+                  <a:schemeClr val="dk2"/>
+                </a:solidFill>
+                <a:latin typeface="Arial"/>
+                <a:ea typeface="Arial"/>
+                <a:cs typeface="Arial"/>
+                <a:sym typeface="Arial"/>
+              </a:defRPr>
+            </a:lvl4pPr>
+            <a:lvl5pPr marL="2286000" marR="0" lvl="4" indent="-317500" algn="l" rtl="0">
+              <a:lnSpc>
+                <a:spcPct val="115000"/>
+              </a:lnSpc>
+              <a:spcBef>
+                <a:spcPts val="1600"/>
+              </a:spcBef>
+              <a:spcAft>
+                <a:spcPts val="0"/>
+              </a:spcAft>
+              <a:buClr>
+                <a:schemeClr val="dk2"/>
+              </a:buClr>
+              <a:buSzPts val="1400"/>
+              <a:buFont typeface="Arial"/>
+              <a:buChar char="○"/>
+              <a:defRPr sz="1400" b="0" i="0" u="none" strike="noStrike" cap="none">
+                <a:solidFill>
+                  <a:schemeClr val="dk2"/>
+                </a:solidFill>
+                <a:latin typeface="Arial"/>
+                <a:ea typeface="Arial"/>
+                <a:cs typeface="Arial"/>
+                <a:sym typeface="Arial"/>
+              </a:defRPr>
+            </a:lvl5pPr>
+            <a:lvl6pPr marL="2743200" marR="0" lvl="5" indent="-317500" algn="l" rtl="0">
+              <a:lnSpc>
+                <a:spcPct val="115000"/>
+              </a:lnSpc>
+              <a:spcBef>
+                <a:spcPts val="1600"/>
+              </a:spcBef>
+              <a:spcAft>
+                <a:spcPts val="0"/>
+              </a:spcAft>
+              <a:buClr>
+                <a:schemeClr val="dk2"/>
+              </a:buClr>
+              <a:buSzPts val="1400"/>
+              <a:buFont typeface="Arial"/>
+              <a:buChar char="■"/>
+              <a:defRPr sz="1400" b="0" i="0" u="none" strike="noStrike" cap="none">
+                <a:solidFill>
+                  <a:schemeClr val="dk2"/>
+                </a:solidFill>
+                <a:latin typeface="Arial"/>
+                <a:ea typeface="Arial"/>
+                <a:cs typeface="Arial"/>
+                <a:sym typeface="Arial"/>
+              </a:defRPr>
+            </a:lvl6pPr>
+            <a:lvl7pPr marL="3200400" marR="0" lvl="6" indent="-317500" algn="l" rtl="0">
+              <a:lnSpc>
+                <a:spcPct val="115000"/>
+              </a:lnSpc>
+              <a:spcBef>
+                <a:spcPts val="1600"/>
+              </a:spcBef>
+              <a:spcAft>
+                <a:spcPts val="0"/>
+              </a:spcAft>
+              <a:buClr>
+                <a:schemeClr val="dk2"/>
+              </a:buClr>
+              <a:buSzPts val="1400"/>
+              <a:buFont typeface="Arial"/>
+              <a:buChar char="●"/>
+              <a:defRPr sz="1400" b="0" i="0" u="none" strike="noStrike" cap="none">
+                <a:solidFill>
+                  <a:schemeClr val="dk2"/>
+                </a:solidFill>
+                <a:latin typeface="Arial"/>
+                <a:ea typeface="Arial"/>
+                <a:cs typeface="Arial"/>
+                <a:sym typeface="Arial"/>
+              </a:defRPr>
+            </a:lvl7pPr>
+            <a:lvl8pPr marL="3657600" marR="0" lvl="7" indent="-317500" algn="l" rtl="0">
+              <a:lnSpc>
+                <a:spcPct val="115000"/>
+              </a:lnSpc>
+              <a:spcBef>
+                <a:spcPts val="1600"/>
+              </a:spcBef>
+              <a:spcAft>
+                <a:spcPts val="0"/>
+              </a:spcAft>
+              <a:buClr>
+                <a:schemeClr val="dk2"/>
+              </a:buClr>
+              <a:buSzPts val="1400"/>
+              <a:buFont typeface="Arial"/>
+              <a:buChar char="○"/>
+              <a:defRPr sz="1400" b="0" i="0" u="none" strike="noStrike" cap="none">
+                <a:solidFill>
+                  <a:schemeClr val="dk2"/>
+                </a:solidFill>
+                <a:latin typeface="Arial"/>
+                <a:ea typeface="Arial"/>
+                <a:cs typeface="Arial"/>
+                <a:sym typeface="Arial"/>
+              </a:defRPr>
+            </a:lvl8pPr>
+            <a:lvl9pPr marL="4114800" marR="0" lvl="8" indent="-317500" algn="l" rtl="0">
+              <a:lnSpc>
+                <a:spcPct val="115000"/>
+              </a:lnSpc>
+              <a:spcBef>
+                <a:spcPts val="1600"/>
+              </a:spcBef>
+              <a:spcAft>
+                <a:spcPts val="1600"/>
+              </a:spcAft>
+              <a:buClr>
+                <a:schemeClr val="dk2"/>
+              </a:buClr>
+              <a:buSzPts val="1400"/>
+              <a:buFont typeface="Arial"/>
+              <a:buChar char="■"/>
+              <a:defRPr sz="1400" b="0" i="0" u="none" strike="noStrike" cap="none">
+                <a:solidFill>
+                  <a:schemeClr val="dk2"/>
+                </a:solidFill>
+                <a:latin typeface="Arial"/>
+                <a:ea typeface="Arial"/>
+                <a:cs typeface="Arial"/>
+                <a:sym typeface="Arial"/>
+              </a:defRPr>
+            </a:lvl9pPr>
+          </a:lstStyle>
+          <a:p>
+            <a:pPr marL="114300" indent="0">
+              <a:buFont typeface="Arial"/>
+              <a:buNone/>
+            </a:pPr>
+            <a:r>
+              <a:rPr lang="en-US" b="1" dirty="0"/>
+              <a:t>What does this code do?</a:t>
+            </a:r>
+          </a:p>
+          <a:p>
+            <a:pPr marL="114300" indent="0">
+              <a:buFont typeface="Arial"/>
+              <a:buNone/>
+            </a:pPr>
+            <a:r>
+              <a:rPr lang="en-US" b="1" dirty="0"/>
+              <a:t>YES</a:t>
+            </a:r>
+          </a:p>
+          <a:p>
+            <a:pPr marL="114300" indent="0">
+              <a:buFont typeface="Arial"/>
+              <a:buNone/>
+            </a:pPr>
+            <a:r>
+              <a:rPr lang="en-US" dirty="0"/>
+              <a:t>public List&lt;Cell&gt; </a:t>
+            </a:r>
+            <a:r>
+              <a:rPr lang="en-US" dirty="0" err="1"/>
+              <a:t>getFlaggedCells</a:t>
+            </a:r>
+            <a:r>
+              <a:rPr lang="en-US" dirty="0"/>
+              <a:t>() {</a:t>
+            </a:r>
+          </a:p>
+          <a:p>
+            <a:pPr marL="114300" indent="0">
+              <a:buFont typeface="Arial"/>
+              <a:buNone/>
+            </a:pPr>
+            <a:r>
+              <a:rPr lang="en-US" dirty="0"/>
+              <a:t>List&lt;Cell&gt; </a:t>
+            </a:r>
+            <a:r>
+              <a:rPr lang="en-US" dirty="0" err="1"/>
+              <a:t>flaggedCells</a:t>
+            </a:r>
+            <a:r>
+              <a:rPr lang="en-US" dirty="0"/>
+              <a:t> = new </a:t>
+            </a:r>
+            <a:r>
+              <a:rPr lang="en-US" dirty="0" err="1"/>
+              <a:t>ArrayList</a:t>
+            </a:r>
+            <a:r>
+              <a:rPr lang="en-US" dirty="0"/>
+              <a:t>&lt;Cell&gt;();</a:t>
+            </a:r>
+          </a:p>
+          <a:p>
+            <a:pPr marL="114300" indent="0">
+              <a:buFont typeface="Arial"/>
+              <a:buNone/>
+            </a:pPr>
+            <a:r>
+              <a:rPr lang="en-US" dirty="0"/>
+              <a:t>for (Cell </a:t>
+            </a:r>
+            <a:r>
+              <a:rPr lang="en-US" dirty="0" err="1"/>
+              <a:t>cell</a:t>
+            </a:r>
+            <a:r>
+              <a:rPr lang="en-US" dirty="0"/>
+              <a:t> : </a:t>
+            </a:r>
+            <a:r>
+              <a:rPr lang="en-US" dirty="0" err="1"/>
+              <a:t>gameBoard</a:t>
+            </a:r>
+            <a:r>
+              <a:rPr lang="en-US" dirty="0"/>
+              <a:t>)</a:t>
+            </a:r>
+          </a:p>
+          <a:p>
+            <a:pPr marL="114300" indent="0">
+              <a:buFont typeface="Arial"/>
+              <a:buNone/>
+            </a:pPr>
+            <a:r>
+              <a:rPr lang="en-US" dirty="0"/>
+              <a:t>if (</a:t>
+            </a:r>
+            <a:r>
+              <a:rPr lang="en-US" dirty="0" err="1"/>
+              <a:t>cell.isFlagged</a:t>
+            </a:r>
+            <a:r>
+              <a:rPr lang="en-US" dirty="0"/>
+              <a:t>())</a:t>
+            </a:r>
+          </a:p>
+          <a:p>
+            <a:pPr marL="114300" indent="0">
+              <a:buFont typeface="Arial"/>
+              <a:buNone/>
+            </a:pPr>
+            <a:r>
+              <a:rPr lang="en-US" dirty="0" err="1"/>
+              <a:t>flaggedCells.add</a:t>
+            </a:r>
+            <a:r>
+              <a:rPr lang="en-US" dirty="0"/>
+              <a:t>(cell);</a:t>
+            </a:r>
+          </a:p>
+          <a:p>
+            <a:pPr marL="114300" indent="0">
+              <a:buFont typeface="Arial"/>
+              <a:buNone/>
+            </a:pPr>
+            <a:r>
+              <a:rPr lang="en-US" dirty="0"/>
+              <a:t>return </a:t>
+            </a:r>
+            <a:r>
+              <a:rPr lang="en-US" dirty="0" err="1"/>
+              <a:t>flaggedCells</a:t>
+            </a:r>
+            <a:r>
+              <a:rPr lang="en-US" dirty="0"/>
+              <a:t>;</a:t>
+            </a:r>
+          </a:p>
+          <a:p>
+            <a:pPr marL="114300" indent="0">
+              <a:buFont typeface="Arial"/>
+              <a:buNone/>
+            </a:pPr>
+            <a:r>
+              <a:rPr lang="en-US" dirty="0"/>
+              <a:t>}</a:t>
+            </a:r>
+          </a:p>
+        </p:txBody>
+      </p:sp>
     </p:spTree>
     <p:extLst>
       <p:ext uri="{BB962C8B-B14F-4D97-AF65-F5344CB8AC3E}">
-        <p14:creationId xmlns:p14="http://schemas.microsoft.com/office/powerpoint/2010/main" val="1358063851"/>
+        <p14:creationId xmlns:p14="http://schemas.microsoft.com/office/powerpoint/2010/main" val="1750370863"/>
       </p:ext>
     </p:extLst>
   </p:cSld>
@@ -9918,7 +7779,7 @@
   <p:cSld>
     <p:spTree>
       <p:nvGrpSpPr>
-        <p:cNvPr id="1" name="Shape 77"/>
+        <p:cNvPr id="1" name=""/>
         <p:cNvGrpSpPr/>
         <p:nvPr/>
       </p:nvGrpSpPr>
@@ -9932,50 +7793,43 @@
       </p:grpSpPr>
       <p:sp>
         <p:nvSpPr>
-          <p:cNvPr id="78" name="Google Shape;78;p17"/>
-          <p:cNvSpPr txBox="1">
+          <p:cNvPr id="2" name="Title 1">
+            <a:extLst>
+              <a:ext uri="{FF2B5EF4-FFF2-40B4-BE49-F238E27FC236}">
+                <a16:creationId xmlns:a16="http://schemas.microsoft.com/office/drawing/2014/main" id="{61B888E6-C1A9-4C64-9B5E-1697C28AEA9F}"/>
+              </a:ext>
+            </a:extLst>
+          </p:cNvPr>
+          <p:cNvSpPr>
             <a:spLocks noGrp="1"/>
           </p:cNvSpPr>
           <p:nvPr>
             <p:ph type="title"/>
           </p:nvPr>
         </p:nvSpPr>
-        <p:spPr>
-          <a:xfrm>
-            <a:off x="311700" y="445025"/>
-            <a:ext cx="8520600" cy="572700"/>
-          </a:xfrm>
-          <a:prstGeom prst="rect">
-            <a:avLst/>
-          </a:prstGeom>
-        </p:spPr>
+        <p:spPr/>
         <p:txBody>
-          <a:bodyPr spcFirstLastPara="1" wrap="square" lIns="91425" tIns="91425" rIns="91425" bIns="91425" anchor="t" anchorCtr="0">
-            <a:noAutofit/>
-          </a:bodyPr>
+          <a:bodyPr/>
           <a:lstStyle/>
           <a:p>
-            <a:pPr marL="0" lvl="0" indent="0" algn="l" rtl="0">
-              <a:spcBef>
-                <a:spcPts val="0"/>
-              </a:spcBef>
-              <a:spcAft>
-                <a:spcPts val="0"/>
-              </a:spcAft>
-              <a:buNone/>
-            </a:pPr>
-            <a:r>
-              <a:rPr lang="en-GB" dirty="0"/>
-              <a:t>SOLID Design Principles - Why?</a:t>
-            </a:r>
-            <a:endParaRPr dirty="0"/>
+            <a:r>
+              <a:rPr lang="en-US" dirty="0" err="1"/>
+              <a:t>Namings</a:t>
+            </a:r>
+            <a:endParaRPr lang="en-US" dirty="0"/>
           </a:p>
         </p:txBody>
       </p:sp>
       <p:sp>
         <p:nvSpPr>
-          <p:cNvPr id="79" name="Google Shape;79;p17"/>
-          <p:cNvSpPr txBox="1">
+          <p:cNvPr id="3" name="Text Placeholder 2">
+            <a:extLst>
+              <a:ext uri="{FF2B5EF4-FFF2-40B4-BE49-F238E27FC236}">
+                <a16:creationId xmlns:a16="http://schemas.microsoft.com/office/drawing/2014/main" id="{7D3F542C-2F29-4F24-B2E3-DB1509E1BB6A}"/>
+              </a:ext>
+            </a:extLst>
+          </p:cNvPr>
+          <p:cNvSpPr>
             <a:spLocks noGrp="1"/>
           </p:cNvSpPr>
           <p:nvPr>
@@ -9984,83 +7838,115 @@
         </p:nvSpPr>
         <p:spPr>
           <a:xfrm>
-            <a:off x="311700" y="1162575"/>
-            <a:ext cx="8520600" cy="3416400"/>
+            <a:off x="311700" y="1152475"/>
+            <a:ext cx="4724644" cy="3416400"/>
           </a:xfrm>
-          <a:prstGeom prst="rect">
-            <a:avLst/>
-          </a:prstGeom>
         </p:spPr>
         <p:txBody>
-          <a:bodyPr spcFirstLastPara="1" wrap="square" lIns="91425" tIns="91425" rIns="91425" bIns="91425" anchor="t" anchorCtr="0">
-            <a:noAutofit/>
-          </a:bodyPr>
+          <a:bodyPr/>
           <a:lstStyle/>
           <a:p>
-            <a:pPr marL="457200" lvl="0" indent="-342900" algn="l" rtl="0">
-              <a:spcBef>
-                <a:spcPts val="0"/>
-              </a:spcBef>
-              <a:spcAft>
-                <a:spcPts val="0"/>
-              </a:spcAft>
-              <a:buSzPts val="1800"/>
-              <a:buChar char="●"/>
+            <a:pPr marL="114300" indent="0">
+              <a:buNone/>
             </a:pPr>
             <a:r>
-              <a:rPr lang="en-GB" dirty="0"/>
-              <a:t>Changes are inevitable. The only constant is change.</a:t>
-            </a:r>
-          </a:p>
-          <a:p>
-            <a:pPr marL="457200" lvl="0" indent="-342900" algn="l" rtl="0">
-              <a:spcBef>
-                <a:spcPts val="0"/>
-              </a:spcBef>
-              <a:spcAft>
-                <a:spcPts val="0"/>
-              </a:spcAft>
-              <a:buSzPts val="1800"/>
-              <a:buChar char="●"/>
+              <a:rPr lang="en-US" dirty="0"/>
+              <a:t>Use simple names</a:t>
+            </a:r>
+          </a:p>
+          <a:p>
+            <a:pPr marL="114300" indent="0">
+              <a:buNone/>
             </a:pPr>
             <a:r>
-              <a:rPr lang="en-GB" dirty="0"/>
-              <a:t>A change in code will take more and more </a:t>
-            </a:r>
-            <a:endParaRPr dirty="0"/>
-          </a:p>
-          <a:p>
-            <a:pPr marL="0" lvl="0" indent="0" algn="l" rtl="0">
-              <a:spcBef>
-                <a:spcPts val="1600"/>
-              </a:spcBef>
-              <a:spcAft>
-                <a:spcPts val="1600"/>
-              </a:spcAft>
+              <a:rPr lang="en-US" dirty="0"/>
+              <a:t>Use meaningful names</a:t>
+            </a:r>
+          </a:p>
+          <a:p>
+            <a:pPr marL="114300" indent="0">
               <a:buNone/>
             </a:pPr>
-            <a:endParaRPr dirty="0"/>
+            <a:r>
+              <a:rPr lang="en-US" dirty="0"/>
+              <a:t>Use searchable names</a:t>
+            </a:r>
+          </a:p>
+          <a:p>
+            <a:pPr marL="114300" indent="0">
+              <a:buNone/>
+            </a:pPr>
+            <a:r>
+              <a:rPr lang="en-US" dirty="0"/>
+              <a:t>Use camelCase or </a:t>
+            </a:r>
+            <a:r>
+              <a:rPr lang="en-US" dirty="0" err="1"/>
+              <a:t>pascalCase</a:t>
+            </a:r>
+            <a:endParaRPr lang="en-US" dirty="0"/>
+          </a:p>
+          <a:p>
+            <a:pPr marL="114300" indent="0">
+              <a:buNone/>
+            </a:pPr>
+            <a:r>
+              <a:rPr lang="en-US" dirty="0"/>
+              <a:t>Avoid </a:t>
+            </a:r>
+            <a:r>
+              <a:rPr lang="en-US" dirty="0" err="1"/>
+              <a:t>snake_case</a:t>
+            </a:r>
+            <a:r>
+              <a:rPr lang="en-US" dirty="0"/>
+              <a:t> (Exception Constants)</a:t>
+            </a:r>
+          </a:p>
+          <a:p>
+            <a:pPr marL="114300" indent="0">
+              <a:buNone/>
+            </a:pPr>
+            <a:r>
+              <a:rPr lang="en-US" dirty="0"/>
+              <a:t>Use nouns for class and attribute names</a:t>
+            </a:r>
+          </a:p>
+          <a:p>
+            <a:pPr marL="114300" indent="0">
+              <a:buNone/>
+            </a:pPr>
+            <a:r>
+              <a:rPr lang="en-US" dirty="0"/>
+              <a:t>Use Verbs for actions</a:t>
+            </a:r>
+          </a:p>
+          <a:p>
+            <a:pPr marL="114300" indent="0">
+              <a:buNone/>
+            </a:pPr>
+            <a:endParaRPr lang="en-US" dirty="0"/>
           </a:p>
         </p:txBody>
       </p:sp>
-      <p:pic>
-        <p:nvPicPr>
-          <p:cNvPr id="80" name="Google Shape;80;p17"/>
-          <p:cNvPicPr preferRelativeResize="0"/>
+      <p:sp>
+        <p:nvSpPr>
+          <p:cNvPr id="4" name="Text Placeholder 2">
+            <a:extLst>
+              <a:ext uri="{FF2B5EF4-FFF2-40B4-BE49-F238E27FC236}">
+                <a16:creationId xmlns:a16="http://schemas.microsoft.com/office/drawing/2014/main" id="{4B28CE41-5EC6-4611-913F-7A6F0556B03E}"/>
+              </a:ext>
+            </a:extLst>
+          </p:cNvPr>
+          <p:cNvSpPr txBox="1">
+            <a:spLocks/>
+          </p:cNvSpPr>
           <p:nvPr/>
-        </p:nvPicPr>
-        <p:blipFill>
-          <a:blip r:embed="rId3">
-            <a:alphaModFix/>
-          </a:blip>
-          <a:stretch>
-            <a:fillRect/>
-          </a:stretch>
-        </p:blipFill>
+        </p:nvSpPr>
         <p:spPr>
           <a:xfrm>
-            <a:off x="2235994" y="2419569"/>
-            <a:ext cx="4286250" cy="1819275"/>
+            <a:off x="4764638" y="972531"/>
+            <a:ext cx="4724644" cy="3416400"/>
           </a:xfrm>
           <a:prstGeom prst="rect">
             <a:avLst/>
@@ -10070,8 +7956,272 @@
             <a:noFill/>
           </a:ln>
         </p:spPr>
-      </p:pic>
+        <p:txBody>
+          <a:bodyPr spcFirstLastPara="1" wrap="square" lIns="91425" tIns="91425" rIns="91425" bIns="91425" anchor="t" anchorCtr="0">
+            <a:noAutofit/>
+          </a:bodyPr>
+          <a:lstStyle>
+            <a:defPPr marR="0" lvl="0" algn="l" rtl="0">
+              <a:lnSpc>
+                <a:spcPct val="100000"/>
+              </a:lnSpc>
+              <a:spcBef>
+                <a:spcPts val="0"/>
+              </a:spcBef>
+              <a:spcAft>
+                <a:spcPts val="0"/>
+              </a:spcAft>
+            </a:defPPr>
+            <a:lvl1pPr marL="457200" marR="0" lvl="0" indent="-342900" algn="l" rtl="0">
+              <a:lnSpc>
+                <a:spcPct val="115000"/>
+              </a:lnSpc>
+              <a:spcBef>
+                <a:spcPts val="0"/>
+              </a:spcBef>
+              <a:spcAft>
+                <a:spcPts val="0"/>
+              </a:spcAft>
+              <a:buClr>
+                <a:schemeClr val="dk2"/>
+              </a:buClr>
+              <a:buSzPts val="1800"/>
+              <a:buFont typeface="Arial"/>
+              <a:buChar char="●"/>
+              <a:defRPr sz="1800" b="0" i="0" u="none" strike="noStrike" cap="none">
+                <a:solidFill>
+                  <a:schemeClr val="dk2"/>
+                </a:solidFill>
+                <a:latin typeface="Arial"/>
+                <a:ea typeface="Arial"/>
+                <a:cs typeface="Arial"/>
+                <a:sym typeface="Arial"/>
+              </a:defRPr>
+            </a:lvl1pPr>
+            <a:lvl2pPr marL="914400" marR="0" lvl="1" indent="-317500" algn="l" rtl="0">
+              <a:lnSpc>
+                <a:spcPct val="115000"/>
+              </a:lnSpc>
+              <a:spcBef>
+                <a:spcPts val="1600"/>
+              </a:spcBef>
+              <a:spcAft>
+                <a:spcPts val="0"/>
+              </a:spcAft>
+              <a:buClr>
+                <a:schemeClr val="dk2"/>
+              </a:buClr>
+              <a:buSzPts val="1400"/>
+              <a:buFont typeface="Arial"/>
+              <a:buChar char="○"/>
+              <a:defRPr sz="1400" b="0" i="0" u="none" strike="noStrike" cap="none">
+                <a:solidFill>
+                  <a:schemeClr val="dk2"/>
+                </a:solidFill>
+                <a:latin typeface="Arial"/>
+                <a:ea typeface="Arial"/>
+                <a:cs typeface="Arial"/>
+                <a:sym typeface="Arial"/>
+              </a:defRPr>
+            </a:lvl2pPr>
+            <a:lvl3pPr marL="1371600" marR="0" lvl="2" indent="-317500" algn="l" rtl="0">
+              <a:lnSpc>
+                <a:spcPct val="115000"/>
+              </a:lnSpc>
+              <a:spcBef>
+                <a:spcPts val="1600"/>
+              </a:spcBef>
+              <a:spcAft>
+                <a:spcPts val="0"/>
+              </a:spcAft>
+              <a:buClr>
+                <a:schemeClr val="dk2"/>
+              </a:buClr>
+              <a:buSzPts val="1400"/>
+              <a:buFont typeface="Arial"/>
+              <a:buChar char="■"/>
+              <a:defRPr sz="1400" b="0" i="0" u="none" strike="noStrike" cap="none">
+                <a:solidFill>
+                  <a:schemeClr val="dk2"/>
+                </a:solidFill>
+                <a:latin typeface="Arial"/>
+                <a:ea typeface="Arial"/>
+                <a:cs typeface="Arial"/>
+                <a:sym typeface="Arial"/>
+              </a:defRPr>
+            </a:lvl3pPr>
+            <a:lvl4pPr marL="1828800" marR="0" lvl="3" indent="-317500" algn="l" rtl="0">
+              <a:lnSpc>
+                <a:spcPct val="115000"/>
+              </a:lnSpc>
+              <a:spcBef>
+                <a:spcPts val="1600"/>
+              </a:spcBef>
+              <a:spcAft>
+                <a:spcPts val="0"/>
+              </a:spcAft>
+              <a:buClr>
+                <a:schemeClr val="dk2"/>
+              </a:buClr>
+              <a:buSzPts val="1400"/>
+              <a:buFont typeface="Arial"/>
+              <a:buChar char="●"/>
+              <a:defRPr sz="1400" b="0" i="0" u="none" strike="noStrike" cap="none">
+                <a:solidFill>
+                  <a:schemeClr val="dk2"/>
+                </a:solidFill>
+                <a:latin typeface="Arial"/>
+                <a:ea typeface="Arial"/>
+                <a:cs typeface="Arial"/>
+                <a:sym typeface="Arial"/>
+              </a:defRPr>
+            </a:lvl4pPr>
+            <a:lvl5pPr marL="2286000" marR="0" lvl="4" indent="-317500" algn="l" rtl="0">
+              <a:lnSpc>
+                <a:spcPct val="115000"/>
+              </a:lnSpc>
+              <a:spcBef>
+                <a:spcPts val="1600"/>
+              </a:spcBef>
+              <a:spcAft>
+                <a:spcPts val="0"/>
+              </a:spcAft>
+              <a:buClr>
+                <a:schemeClr val="dk2"/>
+              </a:buClr>
+              <a:buSzPts val="1400"/>
+              <a:buFont typeface="Arial"/>
+              <a:buChar char="○"/>
+              <a:defRPr sz="1400" b="0" i="0" u="none" strike="noStrike" cap="none">
+                <a:solidFill>
+                  <a:schemeClr val="dk2"/>
+                </a:solidFill>
+                <a:latin typeface="Arial"/>
+                <a:ea typeface="Arial"/>
+                <a:cs typeface="Arial"/>
+                <a:sym typeface="Arial"/>
+              </a:defRPr>
+            </a:lvl5pPr>
+            <a:lvl6pPr marL="2743200" marR="0" lvl="5" indent="-317500" algn="l" rtl="0">
+              <a:lnSpc>
+                <a:spcPct val="115000"/>
+              </a:lnSpc>
+              <a:spcBef>
+                <a:spcPts val="1600"/>
+              </a:spcBef>
+              <a:spcAft>
+                <a:spcPts val="0"/>
+              </a:spcAft>
+              <a:buClr>
+                <a:schemeClr val="dk2"/>
+              </a:buClr>
+              <a:buSzPts val="1400"/>
+              <a:buFont typeface="Arial"/>
+              <a:buChar char="■"/>
+              <a:defRPr sz="1400" b="0" i="0" u="none" strike="noStrike" cap="none">
+                <a:solidFill>
+                  <a:schemeClr val="dk2"/>
+                </a:solidFill>
+                <a:latin typeface="Arial"/>
+                <a:ea typeface="Arial"/>
+                <a:cs typeface="Arial"/>
+                <a:sym typeface="Arial"/>
+              </a:defRPr>
+            </a:lvl6pPr>
+            <a:lvl7pPr marL="3200400" marR="0" lvl="6" indent="-317500" algn="l" rtl="0">
+              <a:lnSpc>
+                <a:spcPct val="115000"/>
+              </a:lnSpc>
+              <a:spcBef>
+                <a:spcPts val="1600"/>
+              </a:spcBef>
+              <a:spcAft>
+                <a:spcPts val="0"/>
+              </a:spcAft>
+              <a:buClr>
+                <a:schemeClr val="dk2"/>
+              </a:buClr>
+              <a:buSzPts val="1400"/>
+              <a:buFont typeface="Arial"/>
+              <a:buChar char="●"/>
+              <a:defRPr sz="1400" b="0" i="0" u="none" strike="noStrike" cap="none">
+                <a:solidFill>
+                  <a:schemeClr val="dk2"/>
+                </a:solidFill>
+                <a:latin typeface="Arial"/>
+                <a:ea typeface="Arial"/>
+                <a:cs typeface="Arial"/>
+                <a:sym typeface="Arial"/>
+              </a:defRPr>
+            </a:lvl7pPr>
+            <a:lvl8pPr marL="3657600" marR="0" lvl="7" indent="-317500" algn="l" rtl="0">
+              <a:lnSpc>
+                <a:spcPct val="115000"/>
+              </a:lnSpc>
+              <a:spcBef>
+                <a:spcPts val="1600"/>
+              </a:spcBef>
+              <a:spcAft>
+                <a:spcPts val="0"/>
+              </a:spcAft>
+              <a:buClr>
+                <a:schemeClr val="dk2"/>
+              </a:buClr>
+              <a:buSzPts val="1400"/>
+              <a:buFont typeface="Arial"/>
+              <a:buChar char="○"/>
+              <a:defRPr sz="1400" b="0" i="0" u="none" strike="noStrike" cap="none">
+                <a:solidFill>
+                  <a:schemeClr val="dk2"/>
+                </a:solidFill>
+                <a:latin typeface="Arial"/>
+                <a:ea typeface="Arial"/>
+                <a:cs typeface="Arial"/>
+                <a:sym typeface="Arial"/>
+              </a:defRPr>
+            </a:lvl8pPr>
+            <a:lvl9pPr marL="4114800" marR="0" lvl="8" indent="-317500" algn="l" rtl="0">
+              <a:lnSpc>
+                <a:spcPct val="115000"/>
+              </a:lnSpc>
+              <a:spcBef>
+                <a:spcPts val="1600"/>
+              </a:spcBef>
+              <a:spcAft>
+                <a:spcPts val="1600"/>
+              </a:spcAft>
+              <a:buClr>
+                <a:schemeClr val="dk2"/>
+              </a:buClr>
+              <a:buSzPts val="1400"/>
+              <a:buFont typeface="Arial"/>
+              <a:buChar char="■"/>
+              <a:defRPr sz="1400" b="0" i="0" u="none" strike="noStrike" cap="none">
+                <a:solidFill>
+                  <a:schemeClr val="dk2"/>
+                </a:solidFill>
+                <a:latin typeface="Arial"/>
+                <a:ea typeface="Arial"/>
+                <a:cs typeface="Arial"/>
+                <a:sym typeface="Arial"/>
+              </a:defRPr>
+            </a:lvl9pPr>
+          </a:lstStyle>
+          <a:p>
+            <a:pPr marL="114300" indent="0">
+              <a:buFont typeface="Arial"/>
+              <a:buNone/>
+            </a:pPr>
+            <a:endParaRPr lang="en-US" dirty="0"/>
+          </a:p>
+        </p:txBody>
+      </p:sp>
     </p:spTree>
+    <p:extLst>
+      <p:ext uri="{BB962C8B-B14F-4D97-AF65-F5344CB8AC3E}">
+        <p14:creationId xmlns:p14="http://schemas.microsoft.com/office/powerpoint/2010/main" val="491063023"/>
+      </p:ext>
+    </p:extLst>
   </p:cSld>
   <p:clrMapOvr>
     <a:masterClrMapping/>
@@ -10084,7 +8234,7 @@
   <p:cSld>
     <p:spTree>
       <p:nvGrpSpPr>
-        <p:cNvPr id="1" name="Shape 84"/>
+        <p:cNvPr id="1" name=""/>
         <p:cNvGrpSpPr/>
         <p:nvPr/>
       </p:nvGrpSpPr>
@@ -10098,114 +8248,203 @@
       </p:grpSpPr>
       <p:sp>
         <p:nvSpPr>
-          <p:cNvPr id="85" name="Google Shape;85;p18"/>
-          <p:cNvSpPr txBox="1">
+          <p:cNvPr id="2" name="Title 1">
+            <a:extLst>
+              <a:ext uri="{FF2B5EF4-FFF2-40B4-BE49-F238E27FC236}">
+                <a16:creationId xmlns:a16="http://schemas.microsoft.com/office/drawing/2014/main" id="{65A728C4-D9B4-4E1B-AFB7-9E9CE1732C02}"/>
+              </a:ext>
+            </a:extLst>
+          </p:cNvPr>
+          <p:cNvSpPr>
             <a:spLocks noGrp="1"/>
           </p:cNvSpPr>
           <p:nvPr>
             <p:ph type="title"/>
           </p:nvPr>
         </p:nvSpPr>
-        <p:spPr>
-          <a:xfrm>
-            <a:off x="311695" y="445025"/>
-            <a:ext cx="8520600" cy="572700"/>
-          </a:xfrm>
-          <a:prstGeom prst="rect">
-            <a:avLst/>
-          </a:prstGeom>
-        </p:spPr>
+        <p:spPr/>
         <p:txBody>
-          <a:bodyPr spcFirstLastPara="1" wrap="square" lIns="91425" tIns="91425" rIns="91425" bIns="91425" anchor="t" anchorCtr="0">
-            <a:noAutofit/>
-          </a:bodyPr>
+          <a:bodyPr/>
           <a:lstStyle/>
           <a:p>
-            <a:pPr marL="0" lvl="0" indent="0" algn="l" rtl="0">
-              <a:spcBef>
-                <a:spcPts val="0"/>
-              </a:spcBef>
-              <a:spcAft>
-                <a:spcPts val="0"/>
-              </a:spcAft>
-              <a:buNone/>
-            </a:pPr>
-            <a:r>
-              <a:rPr lang="en-GB" dirty="0"/>
-              <a:t>SOLID Design Principles - Why?</a:t>
-            </a:r>
-            <a:endParaRPr dirty="0"/>
+            <a:r>
+              <a:rPr lang="en-US" dirty="0"/>
+              <a:t>Class design</a:t>
+            </a:r>
           </a:p>
         </p:txBody>
       </p:sp>
-      <p:pic>
-        <p:nvPicPr>
-          <p:cNvPr id="86" name="Google Shape;86;p18"/>
-          <p:cNvPicPr preferRelativeResize="0"/>
-          <p:nvPr/>
-        </p:nvPicPr>
-        <p:blipFill>
-          <a:blip r:embed="rId3">
-            <a:alphaModFix/>
-          </a:blip>
-          <a:stretch>
-            <a:fillRect/>
-          </a:stretch>
-        </p:blipFill>
-        <p:spPr>
-          <a:xfrm>
-            <a:off x="840163" y="1109500"/>
-            <a:ext cx="7463665" cy="3973375"/>
-          </a:xfrm>
-          <a:prstGeom prst="rect">
-            <a:avLst/>
-          </a:prstGeom>
-          <a:noFill/>
-          <a:ln>
-            <a:noFill/>
-          </a:ln>
-        </p:spPr>
-      </p:pic>
       <p:sp>
         <p:nvSpPr>
-          <p:cNvPr id="2" name="TextBox 1">
+          <p:cNvPr id="3" name="Text Placeholder 2">
             <a:extLst>
               <a:ext uri="{FF2B5EF4-FFF2-40B4-BE49-F238E27FC236}">
-                <a16:creationId xmlns:a16="http://schemas.microsoft.com/office/drawing/2014/main" id="{A161DA19-08B4-43B5-BBFA-D22A551D8A57}"/>
+                <a16:creationId xmlns:a16="http://schemas.microsoft.com/office/drawing/2014/main" id="{9886998B-E6EC-40BC-AE94-39E51A9A31B9}"/>
               </a:ext>
             </a:extLst>
           </p:cNvPr>
-          <p:cNvSpPr txBox="1"/>
-          <p:nvPr/>
+          <p:cNvSpPr>
+            <a:spLocks noGrp="1"/>
+          </p:cNvSpPr>
+          <p:nvPr>
+            <p:ph type="body" idx="1"/>
+          </p:nvPr>
         </p:nvSpPr>
-        <p:spPr>
-          <a:xfrm>
-            <a:off x="4485583" y="1017725"/>
-            <a:ext cx="4507965" cy="307777"/>
-          </a:xfrm>
-          <a:prstGeom prst="rect">
-            <a:avLst/>
-          </a:prstGeom>
-          <a:noFill/>
-        </p:spPr>
+        <p:spPr/>
         <p:txBody>
-          <a:bodyPr wrap="none" rtlCol="0">
-            <a:spAutoFit/>
-          </a:bodyPr>
+          <a:bodyPr/>
           <a:lstStyle/>
           <a:p>
-            <a:r>
-              <a:rPr lang="en-US" dirty="0">
-                <a:highlight>
-                  <a:srgbClr val="FFFF00"/>
-                </a:highlight>
-              </a:rPr>
-              <a:t>Roughly speaking, design phase should take ~1 week.</a:t>
+            <a:pPr marL="114300" indent="0">
+              <a:buNone/>
+            </a:pPr>
+            <a:r>
+              <a:rPr lang="en-US" sz="1200" dirty="0"/>
+              <a:t>public class Student</a:t>
+            </a:r>
+          </a:p>
+          <a:p>
+            <a:pPr marL="114300" indent="0">
+              <a:buNone/>
+            </a:pPr>
+            <a:r>
+              <a:rPr lang="en-US" sz="1200" dirty="0"/>
+              <a:t>{</a:t>
+            </a:r>
+          </a:p>
+          <a:p>
+            <a:pPr marL="114300" indent="0">
+              <a:buNone/>
+            </a:pPr>
+            <a:r>
+              <a:rPr lang="en-US" sz="1200" dirty="0"/>
+              <a:t> private int </a:t>
+            </a:r>
+            <a:r>
+              <a:rPr lang="en-US" sz="1200" dirty="0" err="1"/>
+              <a:t>yearOfBirth</a:t>
+            </a:r>
+            <a:r>
+              <a:rPr lang="en-US" sz="1200" dirty="0"/>
+              <a:t>;</a:t>
+            </a:r>
+          </a:p>
+          <a:p>
+            <a:pPr marL="114300" indent="0">
+              <a:buNone/>
+            </a:pPr>
+            <a:r>
+              <a:rPr lang="en-US" sz="1200" dirty="0"/>
+              <a:t> public int Age { get; set; } </a:t>
+            </a:r>
+          </a:p>
+          <a:p>
+            <a:pPr marL="114300" indent="0">
+              <a:buNone/>
+            </a:pPr>
+            <a:r>
+              <a:rPr lang="en-US" sz="1200" dirty="0"/>
+              <a:t> public Student (string name, int age) {…}</a:t>
+            </a:r>
+          </a:p>
+          <a:p>
+            <a:pPr marL="114300" indent="0">
+              <a:buNone/>
+            </a:pPr>
+            <a:r>
+              <a:rPr lang="en-US" sz="1200" dirty="0"/>
+              <a:t> </a:t>
+            </a:r>
+          </a:p>
+          <a:p>
+            <a:pPr marL="114300" indent="0">
+              <a:buNone/>
+            </a:pPr>
+            <a:r>
+              <a:rPr lang="en-US" sz="1200" dirty="0"/>
+              <a:t> public void </a:t>
+            </a:r>
+            <a:r>
+              <a:rPr lang="en-US" sz="1200" dirty="0" err="1"/>
+              <a:t>IsStudentReady</a:t>
+            </a:r>
+            <a:r>
+              <a:rPr lang="en-US" sz="1200" dirty="0"/>
+              <a:t>() {}</a:t>
+            </a:r>
+          </a:p>
+          <a:p>
+            <a:pPr marL="114300" indent="0">
+              <a:buNone/>
+            </a:pPr>
+            <a:r>
+              <a:rPr lang="en-US" sz="1200" dirty="0"/>
+              <a:t> public string </a:t>
+            </a:r>
+            <a:r>
+              <a:rPr lang="en-US" sz="1200" dirty="0" err="1"/>
+              <a:t>GetAverage</a:t>
+            </a:r>
+            <a:r>
+              <a:rPr lang="en-US" sz="1200" dirty="0"/>
+              <a:t>() {}</a:t>
+            </a:r>
+          </a:p>
+          <a:p>
+            <a:pPr marL="114300" indent="0">
+              <a:buNone/>
+            </a:pPr>
+            <a:endParaRPr lang="en-US" sz="1200" dirty="0"/>
+          </a:p>
+          <a:p>
+            <a:pPr marL="114300" indent="0">
+              <a:buNone/>
+            </a:pPr>
+            <a:r>
+              <a:rPr lang="en-US" sz="1200" dirty="0"/>
+              <a:t> protected void … () {}</a:t>
+            </a:r>
+          </a:p>
+          <a:p>
+            <a:pPr marL="114300" indent="0">
+              <a:buNone/>
+            </a:pPr>
+            <a:endParaRPr lang="en-US" sz="1200" dirty="0"/>
+          </a:p>
+          <a:p>
+            <a:pPr marL="114300" indent="0">
+              <a:buNone/>
+            </a:pPr>
+            <a:r>
+              <a:rPr lang="en-US" sz="1200" dirty="0"/>
+              <a:t> private string </a:t>
+            </a:r>
+            <a:r>
+              <a:rPr lang="en-US" sz="1200" dirty="0" err="1"/>
+              <a:t>CalculateAverage</a:t>
+            </a:r>
+            <a:r>
+              <a:rPr lang="en-US" sz="1200" dirty="0"/>
+              <a:t>() {}</a:t>
+            </a:r>
+          </a:p>
+          <a:p>
+            <a:pPr marL="114300" indent="0">
+              <a:buNone/>
+            </a:pPr>
+            <a:r>
+              <a:rPr lang="en-US" sz="1200" dirty="0"/>
+              <a:t>}</a:t>
             </a:r>
           </a:p>
         </p:txBody>
       </p:sp>
     </p:spTree>
+    <p:extLst>
+      <p:ext uri="{BB962C8B-B14F-4D97-AF65-F5344CB8AC3E}">
+        <p14:creationId xmlns:p14="http://schemas.microsoft.com/office/powerpoint/2010/main" val="33970285"/>
+      </p:ext>
+    </p:extLst>
   </p:cSld>
   <p:clrMapOvr>
     <a:masterClrMapping/>
@@ -10218,7 +8457,7 @@
   <p:cSld>
     <p:spTree>
       <p:nvGrpSpPr>
-        <p:cNvPr id="1" name="Shape 90"/>
+        <p:cNvPr id="1" name=""/>
         <p:cNvGrpSpPr/>
         <p:nvPr/>
       </p:nvGrpSpPr>
@@ -10232,158 +8471,93 @@
       </p:grpSpPr>
       <p:sp>
         <p:nvSpPr>
-          <p:cNvPr id="91" name="Google Shape;91;p19"/>
-          <p:cNvSpPr txBox="1">
+          <p:cNvPr id="2" name="Title 1">
+            <a:extLst>
+              <a:ext uri="{FF2B5EF4-FFF2-40B4-BE49-F238E27FC236}">
+                <a16:creationId xmlns:a16="http://schemas.microsoft.com/office/drawing/2014/main" id="{65A728C4-D9B4-4E1B-AFB7-9E9CE1732C02}"/>
+              </a:ext>
+            </a:extLst>
+          </p:cNvPr>
+          <p:cNvSpPr>
             <a:spLocks noGrp="1"/>
           </p:cNvSpPr>
           <p:nvPr>
             <p:ph type="title"/>
           </p:nvPr>
         </p:nvSpPr>
-        <p:spPr>
-          <a:xfrm>
-            <a:off x="311700" y="445025"/>
-            <a:ext cx="8520600" cy="572700"/>
-          </a:xfrm>
-          <a:prstGeom prst="rect">
-            <a:avLst/>
-          </a:prstGeom>
-        </p:spPr>
+        <p:spPr/>
         <p:txBody>
-          <a:bodyPr spcFirstLastPara="1" wrap="square" lIns="91425" tIns="91425" rIns="91425" bIns="91425" anchor="t" anchorCtr="0">
-            <a:noAutofit/>
-          </a:bodyPr>
+          <a:bodyPr/>
           <a:lstStyle/>
           <a:p>
-            <a:pPr marL="0" lvl="0" indent="0" algn="l" rtl="0">
-              <a:spcBef>
-                <a:spcPts val="0"/>
-              </a:spcBef>
-              <a:spcAft>
-                <a:spcPts val="0"/>
-              </a:spcAft>
-              <a:buNone/>
-            </a:pPr>
-            <a:r>
-              <a:rPr lang="en-GB"/>
-              <a:t>SOLID Design Principles</a:t>
-            </a:r>
-            <a:endParaRPr/>
+            <a:r>
+              <a:rPr lang="en-US" dirty="0"/>
+              <a:t>Comments</a:t>
+            </a:r>
           </a:p>
         </p:txBody>
       </p:sp>
       <p:sp>
         <p:nvSpPr>
-          <p:cNvPr id="92" name="Google Shape;92;p19"/>
-          <p:cNvSpPr txBox="1">
+          <p:cNvPr id="3" name="Text Placeholder 2">
+            <a:extLst>
+              <a:ext uri="{FF2B5EF4-FFF2-40B4-BE49-F238E27FC236}">
+                <a16:creationId xmlns:a16="http://schemas.microsoft.com/office/drawing/2014/main" id="{9886998B-E6EC-40BC-AE94-39E51A9A31B9}"/>
+              </a:ext>
+            </a:extLst>
+          </p:cNvPr>
+          <p:cNvSpPr>
             <a:spLocks noGrp="1"/>
           </p:cNvSpPr>
           <p:nvPr>
             <p:ph type="body" idx="1"/>
           </p:nvPr>
         </p:nvSpPr>
-        <p:spPr>
-          <a:xfrm>
-            <a:off x="311700" y="1152475"/>
-            <a:ext cx="8520600" cy="3416400"/>
-          </a:xfrm>
-          <a:prstGeom prst="rect">
-            <a:avLst/>
-          </a:prstGeom>
-        </p:spPr>
+        <p:spPr/>
         <p:txBody>
-          <a:bodyPr spcFirstLastPara="1" wrap="square" lIns="91425" tIns="91425" rIns="91425" bIns="91425" anchor="t" anchorCtr="0">
-            <a:noAutofit/>
-          </a:bodyPr>
+          <a:bodyPr/>
           <a:lstStyle/>
           <a:p>
-            <a:pPr marL="457200" lvl="0" indent="-342900" algn="l" rtl="0">
-              <a:spcBef>
-                <a:spcPts val="0"/>
-              </a:spcBef>
-              <a:spcAft>
-                <a:spcPts val="0"/>
-              </a:spcAft>
-              <a:buSzPts val="1800"/>
-              <a:buChar char="●"/>
+            <a:pPr marL="114300" indent="0">
+              <a:buNone/>
             </a:pPr>
             <a:r>
-              <a:rPr lang="en-GB"/>
-              <a:t>Single Responsibility</a:t>
-            </a:r>
-            <a:endParaRPr/>
-          </a:p>
-          <a:p>
-            <a:pPr marL="457200" lvl="0" indent="-342900" algn="l" rtl="0">
-              <a:spcBef>
-                <a:spcPts val="0"/>
-              </a:spcBef>
-              <a:spcAft>
-                <a:spcPts val="0"/>
-              </a:spcAft>
-              <a:buSzPts val="1800"/>
-              <a:buChar char="●"/>
+              <a:rPr lang="en-US" sz="1600" dirty="0"/>
+              <a:t>Unless there is an exception, a hack or something really complicated to understand, do not comment out your code.</a:t>
+            </a:r>
+          </a:p>
+          <a:p>
+            <a:pPr marL="114300" indent="0">
+              <a:buNone/>
             </a:pPr>
             <a:r>
-              <a:rPr lang="en-GB"/>
-              <a:t>Open/Closed</a:t>
-            </a:r>
-            <a:endParaRPr/>
-          </a:p>
-          <a:p>
-            <a:pPr marL="457200" lvl="0" indent="-342900" algn="l" rtl="0">
-              <a:spcBef>
-                <a:spcPts val="0"/>
-              </a:spcBef>
-              <a:spcAft>
-                <a:spcPts val="0"/>
-              </a:spcAft>
-              <a:buSzPts val="1800"/>
-              <a:buChar char="●"/>
+              <a:rPr lang="en-US" sz="1600" dirty="0"/>
+              <a:t>Code should be self descriptive</a:t>
+            </a:r>
+          </a:p>
+          <a:p>
+            <a:pPr marL="114300" indent="0">
+              <a:buNone/>
             </a:pPr>
             <a:r>
-              <a:rPr lang="en-GB"/>
-              <a:t>Liskov Substitution</a:t>
-            </a:r>
-            <a:endParaRPr/>
-          </a:p>
-          <a:p>
-            <a:pPr marL="457200" lvl="0" indent="-342900" algn="l" rtl="0">
-              <a:spcBef>
-                <a:spcPts val="0"/>
-              </a:spcBef>
-              <a:spcAft>
-                <a:spcPts val="0"/>
-              </a:spcAft>
-              <a:buSzPts val="1800"/>
-              <a:buChar char="●"/>
+              <a:rPr lang="en-US" sz="1600" dirty="0"/>
+              <a:t>Documentation needs to be maintained and it tends to lack behind</a:t>
+            </a:r>
+          </a:p>
+          <a:p>
+            <a:pPr marL="114300" indent="0">
+              <a:buNone/>
             </a:pPr>
-            <a:r>
-              <a:rPr lang="en-GB"/>
-              <a:t>Interface Segregation</a:t>
-            </a:r>
-            <a:endParaRPr/>
-          </a:p>
-          <a:p>
-            <a:pPr marL="457200" lvl="0" indent="-342900" algn="l" rtl="0">
-              <a:spcBef>
-                <a:spcPts val="0"/>
-              </a:spcBef>
-              <a:spcAft>
-                <a:spcPts val="0"/>
-              </a:spcAft>
-              <a:buSzPts val="1800"/>
-              <a:buChar char="●"/>
-            </a:pPr>
-            <a:r>
-              <a:rPr lang="en-GB"/>
-              <a:t>Dependency inversion</a:t>
-            </a:r>
-            <a:endParaRPr/>
+            <a:endParaRPr lang="en-US" sz="1600" dirty="0"/>
           </a:p>
         </p:txBody>
       </p:sp>
     </p:spTree>
+    <p:extLst>
+      <p:ext uri="{BB962C8B-B14F-4D97-AF65-F5344CB8AC3E}">
+        <p14:creationId xmlns:p14="http://schemas.microsoft.com/office/powerpoint/2010/main" val="323179613"/>
+      </p:ext>
+    </p:extLst>
   </p:cSld>
   <p:clrMapOvr>
     <a:masterClrMapping/>
